--- a/CVPR/논문/DAMP PPT.pptx
+++ b/CVPR/논문/DAMP PPT.pptx
@@ -24,6 +24,9 @@
     <p:sldId id="286" r:id="rId18"/>
     <p:sldId id="287" r:id="rId19"/>
     <p:sldId id="288" r:id="rId20"/>
+    <p:sldId id="289" r:id="rId21"/>
+    <p:sldId id="290" r:id="rId22"/>
+    <p:sldId id="291" r:id="rId23"/>
   </p:sldIdLst>
   <p:sldSz cx="12192000" cy="6858000"/>
   <p:notesSz cx="6858000" cy="9144000"/>
@@ -261,7 +264,7 @@
           <a:p>
             <a:fld id="{375F675A-083A-47D1-B1AD-D8C6E4F315D0}" type="datetimeFigureOut">
               <a:rPr lang="ko-KR" altLang="en-US" smtClean="0"/>
-              <a:t>2024-08-19</a:t>
+              <a:t>2024-08-20</a:t>
             </a:fld>
             <a:endParaRPr lang="ko-KR" altLang="en-US"/>
           </a:p>
@@ -431,7 +434,7 @@
           <a:p>
             <a:fld id="{375F675A-083A-47D1-B1AD-D8C6E4F315D0}" type="datetimeFigureOut">
               <a:rPr lang="ko-KR" altLang="en-US" smtClean="0"/>
-              <a:t>2024-08-19</a:t>
+              <a:t>2024-08-20</a:t>
             </a:fld>
             <a:endParaRPr lang="ko-KR" altLang="en-US"/>
           </a:p>
@@ -611,7 +614,7 @@
           <a:p>
             <a:fld id="{375F675A-083A-47D1-B1AD-D8C6E4F315D0}" type="datetimeFigureOut">
               <a:rPr lang="ko-KR" altLang="en-US" smtClean="0"/>
-              <a:t>2024-08-19</a:t>
+              <a:t>2024-08-20</a:t>
             </a:fld>
             <a:endParaRPr lang="ko-KR" altLang="en-US"/>
           </a:p>
@@ -781,7 +784,7 @@
           <a:p>
             <a:fld id="{375F675A-083A-47D1-B1AD-D8C6E4F315D0}" type="datetimeFigureOut">
               <a:rPr lang="ko-KR" altLang="en-US" smtClean="0"/>
-              <a:t>2024-08-19</a:t>
+              <a:t>2024-08-20</a:t>
             </a:fld>
             <a:endParaRPr lang="ko-KR" altLang="en-US"/>
           </a:p>
@@ -1027,7 +1030,7 @@
           <a:p>
             <a:fld id="{375F675A-083A-47D1-B1AD-D8C6E4F315D0}" type="datetimeFigureOut">
               <a:rPr lang="ko-KR" altLang="en-US" smtClean="0"/>
-              <a:t>2024-08-19</a:t>
+              <a:t>2024-08-20</a:t>
             </a:fld>
             <a:endParaRPr lang="ko-KR" altLang="en-US"/>
           </a:p>
@@ -1259,7 +1262,7 @@
           <a:p>
             <a:fld id="{375F675A-083A-47D1-B1AD-D8C6E4F315D0}" type="datetimeFigureOut">
               <a:rPr lang="ko-KR" altLang="en-US" smtClean="0"/>
-              <a:t>2024-08-19</a:t>
+              <a:t>2024-08-20</a:t>
             </a:fld>
             <a:endParaRPr lang="ko-KR" altLang="en-US"/>
           </a:p>
@@ -1626,7 +1629,7 @@
           <a:p>
             <a:fld id="{375F675A-083A-47D1-B1AD-D8C6E4F315D0}" type="datetimeFigureOut">
               <a:rPr lang="ko-KR" altLang="en-US" smtClean="0"/>
-              <a:t>2024-08-19</a:t>
+              <a:t>2024-08-20</a:t>
             </a:fld>
             <a:endParaRPr lang="ko-KR" altLang="en-US"/>
           </a:p>
@@ -1744,7 +1747,7 @@
           <a:p>
             <a:fld id="{375F675A-083A-47D1-B1AD-D8C6E4F315D0}" type="datetimeFigureOut">
               <a:rPr lang="ko-KR" altLang="en-US" smtClean="0"/>
-              <a:t>2024-08-19</a:t>
+              <a:t>2024-08-20</a:t>
             </a:fld>
             <a:endParaRPr lang="ko-KR" altLang="en-US"/>
           </a:p>
@@ -1839,7 +1842,7 @@
           <a:p>
             <a:fld id="{375F675A-083A-47D1-B1AD-D8C6E4F315D0}" type="datetimeFigureOut">
               <a:rPr lang="ko-KR" altLang="en-US" smtClean="0"/>
-              <a:t>2024-08-19</a:t>
+              <a:t>2024-08-20</a:t>
             </a:fld>
             <a:endParaRPr lang="ko-KR" altLang="en-US"/>
           </a:p>
@@ -2116,7 +2119,7 @@
           <a:p>
             <a:fld id="{375F675A-083A-47D1-B1AD-D8C6E4F315D0}" type="datetimeFigureOut">
               <a:rPr lang="ko-KR" altLang="en-US" smtClean="0"/>
-              <a:t>2024-08-19</a:t>
+              <a:t>2024-08-20</a:t>
             </a:fld>
             <a:endParaRPr lang="ko-KR" altLang="en-US"/>
           </a:p>
@@ -2369,7 +2372,7 @@
           <a:p>
             <a:fld id="{375F675A-083A-47D1-B1AD-D8C6E4F315D0}" type="datetimeFigureOut">
               <a:rPr lang="ko-KR" altLang="en-US" smtClean="0"/>
-              <a:t>2024-08-19</a:t>
+              <a:t>2024-08-20</a:t>
             </a:fld>
             <a:endParaRPr lang="ko-KR" altLang="en-US"/>
           </a:p>
@@ -2582,7 +2585,7 @@
           <a:p>
             <a:fld id="{375F675A-083A-47D1-B1AD-D8C6E4F315D0}" type="datetimeFigureOut">
               <a:rPr lang="ko-KR" altLang="en-US" smtClean="0"/>
-              <a:t>2024-08-19</a:t>
+              <a:t>2024-08-20</a:t>
             </a:fld>
             <a:endParaRPr lang="ko-KR" altLang="en-US"/>
           </a:p>
@@ -3236,8 +3239,8 @@
           </a:p>
         </p:txBody>
       </p:sp>
-      <mc:AlternateContent xmlns:mc="http://schemas.openxmlformats.org/markup-compatibility/2006">
-        <mc:Choice xmlns:a14="http://schemas.microsoft.com/office/drawing/2010/main" Requires="a14">
+      <mc:AlternateContent xmlns:mc="http://schemas.openxmlformats.org/markup-compatibility/2006" xmlns:a14="http://schemas.microsoft.com/office/drawing/2010/main">
+        <mc:Choice Requires="a14">
           <p:sp>
             <p:nvSpPr>
               <p:cNvPr id="7" name="TextBox 6">
@@ -3599,7 +3602,7 @@
             </p:txBody>
           </p:sp>
         </mc:Choice>
-        <mc:Fallback>
+        <mc:Fallback xmlns="">
           <p:sp>
             <p:nvSpPr>
               <p:cNvPr id="7" name="TextBox 6">
@@ -3890,7 +3893,7 @@
             <p:spPr>
               <a:xfrm>
                 <a:off x="5886437" y="1496040"/>
-                <a:ext cx="6207127" cy="1644040"/>
+                <a:ext cx="6207127" cy="1679499"/>
               </a:xfrm>
               <a:prstGeom prst="rect">
                 <a:avLst/>
@@ -3908,7 +3911,7 @@
                   <a:buChar char="§"/>
                 </a:pPr>
                 <a:r>
-                  <a:rPr lang="en-US" altLang="ko-KR" sz="1400" dirty="0">
+                  <a:rPr lang="en-US" altLang="ko-KR" sz="1400" dirty="0" smtClean="0">
                     <a:latin typeface="나눔스퀘어 Bold" panose="020B0600000101010101" pitchFamily="50" charset="-127"/>
                     <a:ea typeface="나눔스퀘어 Bold" panose="020B0600000101010101" pitchFamily="50" charset="-127"/>
                   </a:rPr>
@@ -4123,49 +4126,34 @@
                 </a:r>
                 <a14:m>
                   <m:oMath xmlns:m="http://schemas.openxmlformats.org/officeDocument/2006/math">
-                    <m:sSubSup>
-                      <m:sSubSupPr>
+                    <m:sSup>
+                      <m:sSupPr>
                         <m:ctrlPr>
-                          <a:rPr lang="en-US" altLang="ko-KR" sz="1400" i="1">
+                          <a:rPr lang="en-US" altLang="ko-KR" sz="1400" i="1" smtClean="0">
                             <a:latin typeface="Cambria Math" panose="02040503050406030204" pitchFamily="18" charset="0"/>
                             <a:ea typeface="나눔스퀘어 Bold" panose="020B0600000101010101" pitchFamily="50" charset="-127"/>
                           </a:rPr>
                         </m:ctrlPr>
-                      </m:sSubSupPr>
+                      </m:sSupPr>
                       <m:e>
                         <m:r>
-                          <m:rPr>
-                            <m:sty m:val="p"/>
-                          </m:rPr>
-                          <a:rPr lang="en-US" altLang="ko-KR" sz="1400" i="1">
+                          <a:rPr lang="en-US" altLang="ko-KR" sz="1400" b="0" i="1" smtClean="0">
                             <a:latin typeface="Cambria Math" panose="02040503050406030204" pitchFamily="18" charset="0"/>
                             <a:ea typeface="나눔스퀘어 Bold" panose="020B0600000101010101" pitchFamily="50" charset="-127"/>
                           </a:rPr>
-                          <m:t>s</m:t>
+                          <m:t>𝑠</m:t>
                         </m:r>
                       </m:e>
-                      <m:sub>
+                      <m:sup>
                         <m:r>
-                          <m:rPr>
-                            <m:sty m:val="p"/>
-                          </m:rPr>
-                          <a:rPr lang="en-US" altLang="ko-KR" sz="1400" i="1">
+                          <a:rPr lang="en-US" altLang="ko-KR" sz="1400" b="0" i="1" smtClean="0">
                             <a:latin typeface="Cambria Math" panose="02040503050406030204" pitchFamily="18" charset="0"/>
                             <a:ea typeface="나눔스퀘어 Bold" panose="020B0600000101010101" pitchFamily="50" charset="-127"/>
                           </a:rPr>
-                          <m:t>k</m:t>
-                        </m:r>
-                      </m:sub>
-                      <m:sup>
-                        <m:r>
-                          <a:rPr lang="en-US" altLang="ko-KR" sz="1400" i="1">
-                            <a:latin typeface="Cambria Math" panose="02040503050406030204" pitchFamily="18" charset="0"/>
-                            <a:ea typeface="나눔스퀘어 Bold" panose="020B0600000101010101" pitchFamily="50" charset="-127"/>
-                          </a:rPr>
-                          <m:t>’</m:t>
+                          <m:t>′</m:t>
                         </m:r>
                       </m:sup>
-                    </m:sSubSup>
+                    </m:sSup>
                   </m:oMath>
                 </a14:m>
                 <a:r>
@@ -4236,7 +4224,7 @@
             <p:spPr>
               <a:xfrm>
                 <a:off x="5886437" y="1496040"/>
-                <a:ext cx="6207127" cy="1644040"/>
+                <a:ext cx="6207127" cy="1679499"/>
               </a:xfrm>
               <a:prstGeom prst="rect">
                 <a:avLst/>
@@ -4244,7 +4232,7 @@
               <a:blipFill>
                 <a:blip r:embed="rId2"/>
                 <a:stretch>
-                  <a:fillRect l="-196" r="-98" b="-2963"/>
+                  <a:fillRect l="-196"/>
                 </a:stretch>
               </a:blipFill>
             </p:spPr>
@@ -4263,433 +4251,240 @@
           </p:sp>
         </mc:Fallback>
       </mc:AlternateContent>
-      <mc:AlternateContent xmlns:mc="http://schemas.openxmlformats.org/markup-compatibility/2006">
-        <mc:Choice xmlns:a14="http://schemas.microsoft.com/office/drawing/2010/main" Requires="a14">
-          <p:sp>
-            <p:nvSpPr>
-              <p:cNvPr id="7" name="TextBox 6">
-                <a:extLst>
-                  <a:ext uri="{FF2B5EF4-FFF2-40B4-BE49-F238E27FC236}">
-                    <a16:creationId xmlns:a16="http://schemas.microsoft.com/office/drawing/2014/main" id="{43AD0F1D-18AC-4DEA-AACB-5FB085B6C455}"/>
-                  </a:ext>
-                </a:extLst>
-              </p:cNvPr>
-              <p:cNvSpPr txBox="1"/>
-              <p:nvPr/>
-            </p:nvSpPr>
-            <p:spPr>
-              <a:xfrm>
-                <a:off x="5886436" y="4051345"/>
-                <a:ext cx="6207127" cy="1622239"/>
-              </a:xfrm>
-              <a:prstGeom prst="rect">
-                <a:avLst/>
-              </a:prstGeom>
-              <a:noFill/>
-            </p:spPr>
-            <p:txBody>
-              <a:bodyPr wrap="square" rtlCol="0">
-                <a:spAutoFit/>
-              </a:bodyPr>
-              <a:lstStyle/>
-              <a:p>
-                <a:pPr marL="285750" indent="-285750">
-                  <a:buFont typeface="Wingdings" panose="05000000000000000000" pitchFamily="2" charset="2"/>
-                  <a:buChar char="§"/>
-                </a:pPr>
-                <a:r>
-                  <a:rPr lang="en-US" altLang="ko-KR" sz="1400" dirty="0">
-                    <a:latin typeface="나눔스퀘어 Bold" panose="020B0600000101010101" pitchFamily="50" charset="-127"/>
-                    <a:ea typeface="나눔스퀘어 Bold" panose="020B0600000101010101" pitchFamily="50" charset="-127"/>
-                  </a:rPr>
-                  <a:t>batch </a:t>
-                </a:r>
-                <a:r>
-                  <a:rPr lang="ko-KR" altLang="en-US" sz="1400" dirty="0">
-                    <a:latin typeface="나눔스퀘어 Bold" panose="020B0600000101010101" pitchFamily="50" charset="-127"/>
-                    <a:ea typeface="나눔스퀘어 Bold" panose="020B0600000101010101" pitchFamily="50" charset="-127"/>
-                  </a:rPr>
-                  <a:t>내에서 같은 </a:t>
-                </a:r>
-                <a:r>
-                  <a:rPr lang="en-US" altLang="ko-KR" sz="1400" dirty="0">
-                    <a:latin typeface="나눔스퀘어 Bold" panose="020B0600000101010101" pitchFamily="50" charset="-127"/>
-                    <a:ea typeface="나눔스퀘어 Bold" panose="020B0600000101010101" pitchFamily="50" charset="-127"/>
-                  </a:rPr>
-                  <a:t>sample</a:t>
-                </a:r>
-                <a:r>
-                  <a:rPr lang="ko-KR" altLang="en-US" sz="1400" dirty="0">
-                    <a:latin typeface="나눔스퀘어 Bold" panose="020B0600000101010101" pitchFamily="50" charset="-127"/>
-                    <a:ea typeface="나눔스퀘어 Bold" panose="020B0600000101010101" pitchFamily="50" charset="-127"/>
-                  </a:rPr>
-                  <a:t>일 때는 </a:t>
-                </a:r>
-                <a:r>
-                  <a:rPr lang="en-US" altLang="ko-KR" sz="1400" dirty="0">
-                    <a:latin typeface="나눔스퀘어 Bold" panose="020B0600000101010101" pitchFamily="50" charset="-127"/>
-                    <a:ea typeface="나눔스퀘어 Bold" panose="020B0600000101010101" pitchFamily="50" charset="-127"/>
-                  </a:rPr>
-                  <a:t>positive pair, </a:t>
-                </a:r>
-                <a:r>
-                  <a:rPr lang="ko-KR" altLang="en-US" sz="1400" dirty="0">
-                    <a:latin typeface="나눔스퀘어 Bold" panose="020B0600000101010101" pitchFamily="50" charset="-127"/>
-                    <a:ea typeface="나눔스퀘어 Bold" panose="020B0600000101010101" pitchFamily="50" charset="-127"/>
-                  </a:rPr>
-                  <a:t>다른 모든 </a:t>
-                </a:r>
-                <a:r>
-                  <a:rPr lang="en-US" altLang="ko-KR" sz="1400" dirty="0">
-                    <a:latin typeface="나눔스퀘어 Bold" panose="020B0600000101010101" pitchFamily="50" charset="-127"/>
-                    <a:ea typeface="나눔스퀘어 Bold" panose="020B0600000101010101" pitchFamily="50" charset="-127"/>
-                  </a:rPr>
-                  <a:t>sample</a:t>
-                </a:r>
-                <a:r>
-                  <a:rPr lang="ko-KR" altLang="en-US" sz="1400" dirty="0">
-                    <a:latin typeface="나눔스퀘어 Bold" panose="020B0600000101010101" pitchFamily="50" charset="-127"/>
-                    <a:ea typeface="나눔스퀘어 Bold" panose="020B0600000101010101" pitchFamily="50" charset="-127"/>
-                  </a:rPr>
-                  <a:t>의 경우 </a:t>
-                </a:r>
-                <a:r>
-                  <a:rPr lang="en-US" altLang="ko-KR" sz="1400" dirty="0">
-                    <a:latin typeface="나눔스퀘어 Bold" panose="020B0600000101010101" pitchFamily="50" charset="-127"/>
-                    <a:ea typeface="나눔스퀘어 Bold" panose="020B0600000101010101" pitchFamily="50" charset="-127"/>
-                  </a:rPr>
-                  <a:t>negative pair</a:t>
-                </a:r>
-                <a:r>
-                  <a:rPr lang="ko-KR" altLang="en-US" sz="1400" dirty="0">
-                    <a:latin typeface="나눔스퀘어 Bold" panose="020B0600000101010101" pitchFamily="50" charset="-127"/>
-                    <a:ea typeface="나눔스퀘어 Bold" panose="020B0600000101010101" pitchFamily="50" charset="-127"/>
-                  </a:rPr>
-                  <a:t>가 되고</a:t>
-                </a:r>
-                <a:r>
-                  <a:rPr lang="en-US" altLang="ko-KR" sz="1400" dirty="0">
-                    <a:latin typeface="나눔스퀘어 Bold" panose="020B0600000101010101" pitchFamily="50" charset="-127"/>
-                    <a:ea typeface="나눔스퀘어 Bold" panose="020B0600000101010101" pitchFamily="50" charset="-127"/>
-                  </a:rPr>
-                  <a:t>, pair </a:t>
-                </a:r>
-                <a:r>
-                  <a:rPr lang="ko-KR" altLang="en-US" sz="1400" dirty="0">
-                    <a:latin typeface="나눔스퀘어 Bold" panose="020B0600000101010101" pitchFamily="50" charset="-127"/>
-                    <a:ea typeface="나눔스퀘어 Bold" panose="020B0600000101010101" pitchFamily="50" charset="-127"/>
-                  </a:rPr>
-                  <a:t>간의 </a:t>
-                </a:r>
-                <a:r>
-                  <a:rPr lang="en-US" altLang="ko-KR" sz="1400" dirty="0">
-                    <a:latin typeface="나눔스퀘어 Bold" panose="020B0600000101010101" pitchFamily="50" charset="-127"/>
-                    <a:ea typeface="나눔스퀘어 Bold" panose="020B0600000101010101" pitchFamily="50" charset="-127"/>
-                  </a:rPr>
-                  <a:t>similarity</a:t>
-                </a:r>
-                <a:r>
-                  <a:rPr lang="ko-KR" altLang="en-US" sz="1400" dirty="0">
-                    <a:latin typeface="나눔스퀘어 Bold" panose="020B0600000101010101" pitchFamily="50" charset="-127"/>
-                    <a:ea typeface="나눔스퀘어 Bold" panose="020B0600000101010101" pitchFamily="50" charset="-127"/>
-                  </a:rPr>
-                  <a:t>를 </a:t>
-                </a:r>
-                <a:r>
-                  <a:rPr lang="en-US" altLang="ko-KR" sz="1400" dirty="0">
-                    <a:latin typeface="나눔스퀘어 Bold" panose="020B0600000101010101" pitchFamily="50" charset="-127"/>
-                    <a:ea typeface="나눔스퀘어 Bold" panose="020B0600000101010101" pitchFamily="50" charset="-127"/>
-                  </a:rPr>
-                  <a:t>contrastive</a:t>
-                </a:r>
-                <a:r>
-                  <a:rPr lang="ko-KR" altLang="en-US" sz="1400" dirty="0">
-                    <a:latin typeface="나눔스퀘어 Bold" panose="020B0600000101010101" pitchFamily="50" charset="-127"/>
-                    <a:ea typeface="나눔스퀘어 Bold" panose="020B0600000101010101" pitchFamily="50" charset="-127"/>
-                  </a:rPr>
-                  <a:t>하게 </a:t>
-                </a:r>
-                <a:r>
-                  <a:rPr lang="ko-KR" altLang="en-US" sz="1400" dirty="0" smtClean="0">
-                    <a:latin typeface="나눔스퀘어 Bold" panose="020B0600000101010101" pitchFamily="50" charset="-127"/>
-                    <a:ea typeface="나눔스퀘어 Bold" panose="020B0600000101010101" pitchFamily="50" charset="-127"/>
-                  </a:rPr>
-                  <a:t>학습함</a:t>
-                </a:r>
-                <a:endParaRPr lang="en-US" altLang="ko-KR" sz="1400" dirty="0" smtClean="0">
-                  <a:latin typeface="나눔스퀘어 Bold" panose="020B0600000101010101" pitchFamily="50" charset="-127"/>
-                  <a:ea typeface="나눔스퀘어 Bold" panose="020B0600000101010101" pitchFamily="50" charset="-127"/>
-                </a:endParaRPr>
-              </a:p>
-              <a:p>
-                <a:pPr marL="285750" indent="-285750">
-                  <a:buFont typeface="Wingdings" panose="05000000000000000000" pitchFamily="2" charset="2"/>
-                  <a:buChar char="§"/>
-                </a:pPr>
-                <a:endParaRPr lang="en-US" altLang="ko-KR" sz="1400" dirty="0">
-                  <a:latin typeface="나눔스퀘어 Bold" panose="020B0600000101010101" pitchFamily="50" charset="-127"/>
-                  <a:ea typeface="나눔스퀘어 Bold" panose="020B0600000101010101" pitchFamily="50" charset="-127"/>
-                </a:endParaRPr>
-              </a:p>
-              <a:p>
-                <a:pPr marL="285750" indent="-285750">
-                  <a:buFont typeface="Wingdings" panose="05000000000000000000" pitchFamily="2" charset="2"/>
-                  <a:buChar char="§"/>
-                </a:pPr>
-                <a:r>
-                  <a:rPr lang="ko-KR" altLang="en-US" sz="1400" dirty="0">
-                    <a:latin typeface="나눔스퀘어 Bold" panose="020B0600000101010101" pitchFamily="50" charset="-127"/>
-                    <a:ea typeface="나눔스퀘어 Bold" panose="020B0600000101010101" pitchFamily="50" charset="-127"/>
-                  </a:rPr>
-                  <a:t>이 때 </a:t>
-                </a:r>
-                <a:r>
-                  <a:rPr lang="en-US" altLang="ko-KR" sz="1400" dirty="0">
-                    <a:latin typeface="나눔스퀘어 Bold" panose="020B0600000101010101" pitchFamily="50" charset="-127"/>
-                    <a:ea typeface="나눔스퀘어 Bold" panose="020B0600000101010101" pitchFamily="50" charset="-127"/>
-                  </a:rPr>
-                  <a:t>similarity</a:t>
-                </a:r>
-                <a:r>
-                  <a:rPr lang="ko-KR" altLang="en-US" sz="1400" dirty="0">
-                    <a:latin typeface="나눔스퀘어 Bold" panose="020B0600000101010101" pitchFamily="50" charset="-127"/>
-                    <a:ea typeface="나눔스퀘어 Bold" panose="020B0600000101010101" pitchFamily="50" charset="-127"/>
-                  </a:rPr>
-                  <a:t>는 </a:t>
-                </a:r>
-                <a:r>
-                  <a:rPr lang="en-US" altLang="ko-KR" sz="1400" dirty="0">
-                    <a:latin typeface="나눔스퀘어 Bold" panose="020B0600000101010101" pitchFamily="50" charset="-127"/>
-                    <a:ea typeface="나눔스퀘어 Bold" panose="020B0600000101010101" pitchFamily="50" charset="-127"/>
-                  </a:rPr>
-                  <a:t>text embedding </a:t>
-                </a:r>
-                <a14:m>
-                  <m:oMath xmlns:m="http://schemas.openxmlformats.org/officeDocument/2006/math">
-                    <m:sSubSup>
-                      <m:sSubSupPr>
-                        <m:ctrlPr>
-                          <a:rPr lang="en-US" altLang="ko-KR" sz="1400" i="1">
-                            <a:latin typeface="Cambria Math" panose="02040503050406030204" pitchFamily="18" charset="0"/>
-                            <a:ea typeface="나눔스퀘어 Bold" panose="020B0600000101010101" pitchFamily="50" charset="-127"/>
-                          </a:rPr>
-                        </m:ctrlPr>
-                      </m:sSubSupPr>
-                      <m:e>
-                        <m:r>
-                          <m:rPr>
-                            <m:sty m:val="p"/>
-                          </m:rPr>
-                          <a:rPr lang="en-US" altLang="ko-KR" sz="1400" i="1">
-                            <a:latin typeface="Cambria Math" panose="02040503050406030204" pitchFamily="18" charset="0"/>
-                            <a:ea typeface="나눔스퀘어 Bold" panose="020B0600000101010101" pitchFamily="50" charset="-127"/>
-                          </a:rPr>
-                          <m:t>s</m:t>
-                        </m:r>
-                      </m:e>
-                      <m:sub>
-                        <m:r>
-                          <m:rPr>
-                            <m:sty m:val="p"/>
-                          </m:rPr>
-                          <a:rPr lang="en-US" altLang="ko-KR" sz="1400" i="1">
-                            <a:latin typeface="Cambria Math" panose="02040503050406030204" pitchFamily="18" charset="0"/>
-                            <a:ea typeface="나눔스퀘어 Bold" panose="020B0600000101010101" pitchFamily="50" charset="-127"/>
-                          </a:rPr>
-                          <m:t>k</m:t>
-                        </m:r>
-                      </m:sub>
-                      <m:sup>
-                        <m:r>
-                          <a:rPr lang="en-US" altLang="ko-KR" sz="1400" i="1">
-                            <a:latin typeface="Cambria Math" panose="02040503050406030204" pitchFamily="18" charset="0"/>
-                            <a:ea typeface="나눔스퀘어 Bold" panose="020B0600000101010101" pitchFamily="50" charset="-127"/>
-                          </a:rPr>
-                          <m:t>’</m:t>
-                        </m:r>
-                      </m:sup>
-                    </m:sSubSup>
-                  </m:oMath>
-                </a14:m>
-                <a:r>
-                  <a:rPr lang="ko-KR" altLang="en-US" sz="1400" dirty="0" smtClean="0">
-                    <a:latin typeface="나눔스퀘어 Bold" panose="020B0600000101010101" pitchFamily="50" charset="-127"/>
-                    <a:ea typeface="나눔스퀘어 Bold" panose="020B0600000101010101" pitchFamily="50" charset="-127"/>
-                  </a:rPr>
-                  <a:t>과</a:t>
-                </a:r>
-                <a:r>
-                  <a:rPr lang="ko-KR" altLang="en-US" sz="1400" dirty="0">
-                    <a:latin typeface="나눔스퀘어 Bold" panose="020B0600000101010101" pitchFamily="50" charset="-127"/>
-                    <a:ea typeface="나눔스퀘어 Bold" panose="020B0600000101010101" pitchFamily="50" charset="-127"/>
-                  </a:rPr>
-                  <a:t> </a:t>
-                </a:r>
-                <a:r>
-                  <a:rPr lang="en-US" altLang="ko-KR" sz="1400" dirty="0">
-                    <a:latin typeface="나눔스퀘어 Bold" panose="020B0600000101010101" pitchFamily="50" charset="-127"/>
-                    <a:ea typeface="나눔스퀘어 Bold" panose="020B0600000101010101" pitchFamily="50" charset="-127"/>
-                  </a:rPr>
-                  <a:t>visual embedding </a:t>
-                </a:r>
-                <a14:m>
-                  <m:oMath xmlns:m="http://schemas.openxmlformats.org/officeDocument/2006/math">
-                    <m:sSup>
-                      <m:sSupPr>
-                        <m:ctrlPr>
-                          <a:rPr lang="en-US" altLang="ko-KR" sz="1400" i="1">
-                            <a:latin typeface="Cambria Math" panose="02040503050406030204" pitchFamily="18" charset="0"/>
-                            <a:ea typeface="나눔스퀘어 Bold" panose="020B0600000101010101" pitchFamily="50" charset="-127"/>
-                          </a:rPr>
-                        </m:ctrlPr>
-                      </m:sSupPr>
-                      <m:e>
-                        <m:r>
-                          <m:rPr>
-                            <m:sty m:val="p"/>
-                          </m:rPr>
-                          <a:rPr lang="en-US" altLang="ko-KR" sz="1400" i="1">
-                            <a:latin typeface="Cambria Math" panose="02040503050406030204" pitchFamily="18" charset="0"/>
-                            <a:ea typeface="나눔스퀘어 Bold" panose="020B0600000101010101" pitchFamily="50" charset="-127"/>
-                          </a:rPr>
-                          <m:t>v</m:t>
-                        </m:r>
-                      </m:e>
-                      <m:sup>
-                        <m:r>
-                          <a:rPr lang="en-US" altLang="ko-KR" sz="1400" i="1">
-                            <a:latin typeface="Cambria Math" panose="02040503050406030204" pitchFamily="18" charset="0"/>
-                            <a:ea typeface="나눔스퀘어 Bold" panose="020B0600000101010101" pitchFamily="50" charset="-127"/>
-                          </a:rPr>
-                          <m:t>’</m:t>
-                        </m:r>
-                      </m:sup>
-                    </m:sSup>
-                  </m:oMath>
-                </a14:m>
-                <a:r>
-                  <a:rPr lang="en-US" altLang="ko-KR" sz="1400" dirty="0">
-                    <a:latin typeface="나눔스퀘어 Bold" panose="020B0600000101010101" pitchFamily="50" charset="-127"/>
-                    <a:ea typeface="나눔스퀘어 Bold" panose="020B0600000101010101" pitchFamily="50" charset="-127"/>
-                  </a:rPr>
-                  <a:t> </a:t>
-                </a:r>
-                <a:r>
-                  <a:rPr lang="ko-KR" altLang="en-US" sz="1400" dirty="0">
-                    <a:latin typeface="나눔스퀘어 Bold" panose="020B0600000101010101" pitchFamily="50" charset="-127"/>
-                    <a:ea typeface="나눔스퀘어 Bold" panose="020B0600000101010101" pitchFamily="50" charset="-127"/>
-                  </a:rPr>
-                  <a:t>간 </a:t>
-                </a:r>
-                <a:r>
-                  <a:rPr lang="en-US" altLang="ko-KR" sz="1400" dirty="0">
-                    <a:latin typeface="나눔스퀘어 Bold" panose="020B0600000101010101" pitchFamily="50" charset="-127"/>
-                    <a:ea typeface="나눔스퀘어 Bold" panose="020B0600000101010101" pitchFamily="50" charset="-127"/>
-                  </a:rPr>
-                  <a:t>cosine similarity</a:t>
-                </a:r>
-                <a:r>
-                  <a:rPr lang="ko-KR" altLang="en-US" sz="1400" dirty="0">
-                    <a:latin typeface="나눔스퀘어 Bold" panose="020B0600000101010101" pitchFamily="50" charset="-127"/>
-                    <a:ea typeface="나눔스퀘어 Bold" panose="020B0600000101010101" pitchFamily="50" charset="-127"/>
-                  </a:rPr>
-                  <a:t>를 모든 </a:t>
-                </a:r>
-                <a:r>
-                  <a:rPr lang="en-US" altLang="ko-KR" sz="1400" dirty="0">
-                    <a:latin typeface="나눔스퀘어 Bold" panose="020B0600000101010101" pitchFamily="50" charset="-127"/>
-                    <a:ea typeface="나눔스퀘어 Bold" panose="020B0600000101010101" pitchFamily="50" charset="-127"/>
-                  </a:rPr>
-                  <a:t>class</a:t>
-                </a:r>
-                <a:r>
-                  <a:rPr lang="ko-KR" altLang="en-US" sz="1400" dirty="0">
-                    <a:latin typeface="나눔스퀘어 Bold" panose="020B0600000101010101" pitchFamily="50" charset="-127"/>
-                    <a:ea typeface="나눔스퀘어 Bold" panose="020B0600000101010101" pitchFamily="50" charset="-127"/>
-                  </a:rPr>
-                  <a:t>에 대해 평균해 계산하기 때문에</a:t>
-                </a:r>
-                <a:r>
-                  <a:rPr lang="en-US" altLang="ko-KR" sz="1400" dirty="0">
-                    <a:latin typeface="나눔스퀘어 Bold" panose="020B0600000101010101" pitchFamily="50" charset="-127"/>
-                    <a:ea typeface="나눔스퀘어 Bold" panose="020B0600000101010101" pitchFamily="50" charset="-127"/>
-                  </a:rPr>
-                  <a:t>, unsupervised</a:t>
-                </a:r>
-                <a:r>
-                  <a:rPr lang="ko-KR" altLang="en-US" sz="1400" dirty="0">
-                    <a:latin typeface="나눔스퀘어 Bold" panose="020B0600000101010101" pitchFamily="50" charset="-127"/>
-                    <a:ea typeface="나눔스퀘어 Bold" panose="020B0600000101010101" pitchFamily="50" charset="-127"/>
-                  </a:rPr>
-                  <a:t>하게 </a:t>
-                </a:r>
-                <a:r>
-                  <a:rPr lang="en-US" altLang="ko-KR" sz="1400" dirty="0">
-                    <a:latin typeface="나눔스퀘어 Bold" panose="020B0600000101010101" pitchFamily="50" charset="-127"/>
-                    <a:ea typeface="나눔스퀘어 Bold" panose="020B0600000101010101" pitchFamily="50" charset="-127"/>
-                  </a:rPr>
-                  <a:t>target domain sample</a:t>
-                </a:r>
-                <a:r>
-                  <a:rPr lang="ko-KR" altLang="en-US" sz="1400" dirty="0">
-                    <a:latin typeface="나눔스퀘어 Bold" panose="020B0600000101010101" pitchFamily="50" charset="-127"/>
-                    <a:ea typeface="나눔스퀘어 Bold" panose="020B0600000101010101" pitchFamily="50" charset="-127"/>
-                  </a:rPr>
-                  <a:t>에도 적용 가능함</a:t>
-                </a:r>
-                <a:endParaRPr lang="en-US" altLang="ko-KR" sz="1400" dirty="0">
-                  <a:latin typeface="나눔스퀘어 Bold" panose="020B0600000101010101" pitchFamily="50" charset="-127"/>
-                  <a:ea typeface="나눔스퀘어 Bold" panose="020B0600000101010101" pitchFamily="50" charset="-127"/>
-                </a:endParaRPr>
-              </a:p>
-            </p:txBody>
-          </p:sp>
-        </mc:Choice>
-        <mc:Fallback>
-          <p:sp>
-            <p:nvSpPr>
-              <p:cNvPr id="7" name="TextBox 6">
-                <a:extLst>
-                  <a:ext uri="{FF2B5EF4-FFF2-40B4-BE49-F238E27FC236}">
-                    <a16:creationId xmlns:a16="http://schemas.microsoft.com/office/drawing/2014/main" id="{43AD0F1D-18AC-4DEA-AACB-5FB085B6C455}"/>
-                  </a:ext>
-                </a:extLst>
-              </p:cNvPr>
-              <p:cNvSpPr txBox="1">
-                <a:spLocks noRot="1" noChangeAspect="1" noMove="1" noResize="1" noEditPoints="1" noAdjustHandles="1" noChangeArrowheads="1" noChangeShapeType="1" noTextEdit="1"/>
-              </p:cNvSpPr>
-              <p:nvPr/>
-            </p:nvSpPr>
-            <p:spPr>
-              <a:xfrm>
-                <a:off x="5886436" y="4051345"/>
-                <a:ext cx="6207127" cy="1622239"/>
-              </a:xfrm>
-              <a:prstGeom prst="rect">
-                <a:avLst/>
-              </a:prstGeom>
-              <a:blipFill>
-                <a:blip r:embed="rId3"/>
-                <a:stretch>
-                  <a:fillRect l="-196" t="-752" b="-2632"/>
-                </a:stretch>
-              </a:blipFill>
-            </p:spPr>
-            <p:txBody>
-              <a:bodyPr/>
-              <a:lstStyle/>
-              <a:p>
-                <a:r>
-                  <a:rPr lang="ko-KR" altLang="en-US">
-                    <a:noFill/>
-                  </a:rPr>
-                  <a:t> </a:t>
-                </a:r>
-              </a:p>
-            </p:txBody>
-          </p:sp>
-        </mc:Fallback>
-      </mc:AlternateContent>
+      <p:sp>
+        <p:nvSpPr>
+          <p:cNvPr id="7" name="TextBox 6">
+            <a:extLst>
+              <a:ext uri="{FF2B5EF4-FFF2-40B4-BE49-F238E27FC236}">
+                <a16:creationId xmlns:a16="http://schemas.microsoft.com/office/drawing/2014/main" id="{43AD0F1D-18AC-4DEA-AACB-5FB085B6C455}"/>
+              </a:ext>
+            </a:extLst>
+          </p:cNvPr>
+          <p:cNvSpPr txBox="1"/>
+          <p:nvPr/>
+        </p:nvSpPr>
+        <p:spPr>
+          <a:xfrm>
+            <a:off x="5886436" y="4051345"/>
+            <a:ext cx="6207127" cy="1384995"/>
+          </a:xfrm>
+          <a:prstGeom prst="rect">
+            <a:avLst/>
+          </a:prstGeom>
+          <a:noFill/>
+        </p:spPr>
+        <p:txBody>
+          <a:bodyPr wrap="square" rtlCol="0">
+            <a:spAutoFit/>
+          </a:bodyPr>
+          <a:lstStyle/>
+          <a:p>
+            <a:pPr marL="285750" indent="-285750">
+              <a:buFont typeface="Wingdings" panose="05000000000000000000" pitchFamily="2" charset="2"/>
+              <a:buChar char="§"/>
+            </a:pPr>
+            <a:r>
+              <a:rPr lang="en-US" altLang="ko-KR" sz="1400" dirty="0">
+                <a:latin typeface="나눔스퀘어 Bold" panose="020B0600000101010101" pitchFamily="50" charset="-127"/>
+                <a:ea typeface="나눔스퀘어 Bold" panose="020B0600000101010101" pitchFamily="50" charset="-127"/>
+              </a:rPr>
+              <a:t>batch </a:t>
+            </a:r>
+            <a:r>
+              <a:rPr lang="ko-KR" altLang="en-US" sz="1400" dirty="0">
+                <a:latin typeface="나눔스퀘어 Bold" panose="020B0600000101010101" pitchFamily="50" charset="-127"/>
+                <a:ea typeface="나눔스퀘어 Bold" panose="020B0600000101010101" pitchFamily="50" charset="-127"/>
+              </a:rPr>
+              <a:t>내에서 같은 </a:t>
+            </a:r>
+            <a:r>
+              <a:rPr lang="en-US" altLang="ko-KR" sz="1400" dirty="0">
+                <a:latin typeface="나눔스퀘어 Bold" panose="020B0600000101010101" pitchFamily="50" charset="-127"/>
+                <a:ea typeface="나눔스퀘어 Bold" panose="020B0600000101010101" pitchFamily="50" charset="-127"/>
+              </a:rPr>
+              <a:t>sample</a:t>
+            </a:r>
+            <a:r>
+              <a:rPr lang="ko-KR" altLang="en-US" sz="1400" dirty="0">
+                <a:latin typeface="나눔스퀘어 Bold" panose="020B0600000101010101" pitchFamily="50" charset="-127"/>
+                <a:ea typeface="나눔스퀘어 Bold" panose="020B0600000101010101" pitchFamily="50" charset="-127"/>
+              </a:rPr>
+              <a:t>일 때는 </a:t>
+            </a:r>
+            <a:r>
+              <a:rPr lang="en-US" altLang="ko-KR" sz="1400" dirty="0">
+                <a:latin typeface="나눔스퀘어 Bold" panose="020B0600000101010101" pitchFamily="50" charset="-127"/>
+                <a:ea typeface="나눔스퀘어 Bold" panose="020B0600000101010101" pitchFamily="50" charset="-127"/>
+              </a:rPr>
+              <a:t>positive pair, </a:t>
+            </a:r>
+            <a:r>
+              <a:rPr lang="ko-KR" altLang="en-US" sz="1400" dirty="0">
+                <a:latin typeface="나눔스퀘어 Bold" panose="020B0600000101010101" pitchFamily="50" charset="-127"/>
+                <a:ea typeface="나눔스퀘어 Bold" panose="020B0600000101010101" pitchFamily="50" charset="-127"/>
+              </a:rPr>
+              <a:t>다른 모든 </a:t>
+            </a:r>
+            <a:r>
+              <a:rPr lang="en-US" altLang="ko-KR" sz="1400" dirty="0">
+                <a:latin typeface="나눔스퀘어 Bold" panose="020B0600000101010101" pitchFamily="50" charset="-127"/>
+                <a:ea typeface="나눔스퀘어 Bold" panose="020B0600000101010101" pitchFamily="50" charset="-127"/>
+              </a:rPr>
+              <a:t>sample</a:t>
+            </a:r>
+            <a:r>
+              <a:rPr lang="ko-KR" altLang="en-US" sz="1400" dirty="0">
+                <a:latin typeface="나눔스퀘어 Bold" panose="020B0600000101010101" pitchFamily="50" charset="-127"/>
+                <a:ea typeface="나눔스퀘어 Bold" panose="020B0600000101010101" pitchFamily="50" charset="-127"/>
+              </a:rPr>
+              <a:t>의 경우 </a:t>
+            </a:r>
+            <a:r>
+              <a:rPr lang="en-US" altLang="ko-KR" sz="1400" dirty="0">
+                <a:latin typeface="나눔스퀘어 Bold" panose="020B0600000101010101" pitchFamily="50" charset="-127"/>
+                <a:ea typeface="나눔스퀘어 Bold" panose="020B0600000101010101" pitchFamily="50" charset="-127"/>
+              </a:rPr>
+              <a:t>negative pair</a:t>
+            </a:r>
+            <a:r>
+              <a:rPr lang="ko-KR" altLang="en-US" sz="1400" dirty="0">
+                <a:latin typeface="나눔스퀘어 Bold" panose="020B0600000101010101" pitchFamily="50" charset="-127"/>
+                <a:ea typeface="나눔스퀘어 Bold" panose="020B0600000101010101" pitchFamily="50" charset="-127"/>
+              </a:rPr>
+              <a:t>가 되고</a:t>
+            </a:r>
+            <a:r>
+              <a:rPr lang="en-US" altLang="ko-KR" sz="1400" dirty="0">
+                <a:latin typeface="나눔스퀘어 Bold" panose="020B0600000101010101" pitchFamily="50" charset="-127"/>
+                <a:ea typeface="나눔스퀘어 Bold" panose="020B0600000101010101" pitchFamily="50" charset="-127"/>
+              </a:rPr>
+              <a:t>, pair </a:t>
+            </a:r>
+            <a:r>
+              <a:rPr lang="ko-KR" altLang="en-US" sz="1400" dirty="0">
+                <a:latin typeface="나눔스퀘어 Bold" panose="020B0600000101010101" pitchFamily="50" charset="-127"/>
+                <a:ea typeface="나눔스퀘어 Bold" panose="020B0600000101010101" pitchFamily="50" charset="-127"/>
+              </a:rPr>
+              <a:t>간의 </a:t>
+            </a:r>
+            <a:r>
+              <a:rPr lang="en-US" altLang="ko-KR" sz="1400" dirty="0">
+                <a:latin typeface="나눔스퀘어 Bold" panose="020B0600000101010101" pitchFamily="50" charset="-127"/>
+                <a:ea typeface="나눔스퀘어 Bold" panose="020B0600000101010101" pitchFamily="50" charset="-127"/>
+              </a:rPr>
+              <a:t>similarity</a:t>
+            </a:r>
+            <a:r>
+              <a:rPr lang="ko-KR" altLang="en-US" sz="1400" dirty="0">
+                <a:latin typeface="나눔스퀘어 Bold" panose="020B0600000101010101" pitchFamily="50" charset="-127"/>
+                <a:ea typeface="나눔스퀘어 Bold" panose="020B0600000101010101" pitchFamily="50" charset="-127"/>
+              </a:rPr>
+              <a:t>를 </a:t>
+            </a:r>
+            <a:r>
+              <a:rPr lang="en-US" altLang="ko-KR" sz="1400" dirty="0">
+                <a:latin typeface="나눔스퀘어 Bold" panose="020B0600000101010101" pitchFamily="50" charset="-127"/>
+                <a:ea typeface="나눔스퀘어 Bold" panose="020B0600000101010101" pitchFamily="50" charset="-127"/>
+              </a:rPr>
+              <a:t>contrastive</a:t>
+            </a:r>
+            <a:r>
+              <a:rPr lang="ko-KR" altLang="en-US" sz="1400" dirty="0">
+                <a:latin typeface="나눔스퀘어 Bold" panose="020B0600000101010101" pitchFamily="50" charset="-127"/>
+                <a:ea typeface="나눔스퀘어 Bold" panose="020B0600000101010101" pitchFamily="50" charset="-127"/>
+              </a:rPr>
+              <a:t>하게 </a:t>
+            </a:r>
+            <a:r>
+              <a:rPr lang="ko-KR" altLang="en-US" sz="1400" dirty="0" smtClean="0">
+                <a:latin typeface="나눔스퀘어 Bold" panose="020B0600000101010101" pitchFamily="50" charset="-127"/>
+                <a:ea typeface="나눔스퀘어 Bold" panose="020B0600000101010101" pitchFamily="50" charset="-127"/>
+              </a:rPr>
+              <a:t>학습함</a:t>
+            </a:r>
+            <a:endParaRPr lang="en-US" altLang="ko-KR" sz="1400" dirty="0" smtClean="0">
+              <a:latin typeface="나눔스퀘어 Bold" panose="020B0600000101010101" pitchFamily="50" charset="-127"/>
+              <a:ea typeface="나눔스퀘어 Bold" panose="020B0600000101010101" pitchFamily="50" charset="-127"/>
+            </a:endParaRPr>
+          </a:p>
+          <a:p>
+            <a:pPr marL="285750" indent="-285750">
+              <a:buFont typeface="Wingdings" panose="05000000000000000000" pitchFamily="2" charset="2"/>
+              <a:buChar char="§"/>
+            </a:pPr>
+            <a:endParaRPr lang="en-US" altLang="ko-KR" sz="1400" dirty="0">
+              <a:latin typeface="나눔스퀘어 Bold" panose="020B0600000101010101" pitchFamily="50" charset="-127"/>
+              <a:ea typeface="나눔스퀘어 Bold" panose="020B0600000101010101" pitchFamily="50" charset="-127"/>
+            </a:endParaRPr>
+          </a:p>
+          <a:p>
+            <a:pPr marL="285750" indent="-285750">
+              <a:buFont typeface="Wingdings" panose="05000000000000000000" pitchFamily="2" charset="2"/>
+              <a:buChar char="§"/>
+            </a:pPr>
+            <a:r>
+              <a:rPr lang="ko-KR" altLang="en-US" sz="1400" dirty="0" smtClean="0">
+                <a:latin typeface="나눔스퀘어 Bold" panose="020B0600000101010101" pitchFamily="50" charset="-127"/>
+                <a:ea typeface="나눔스퀘어 Bold" panose="020B0600000101010101" pitchFamily="50" charset="-127"/>
+              </a:rPr>
+              <a:t>또한 </a:t>
+            </a:r>
+            <a:r>
+              <a:rPr lang="en-US" altLang="ko-KR" sz="1400" dirty="0" smtClean="0">
+                <a:latin typeface="나눔스퀘어 Bold" panose="020B0600000101010101" pitchFamily="50" charset="-127"/>
+                <a:ea typeface="나눔스퀘어 Bold" panose="020B0600000101010101" pitchFamily="50" charset="-127"/>
+              </a:rPr>
+              <a:t>label</a:t>
+            </a:r>
+            <a:r>
+              <a:rPr lang="ko-KR" altLang="en-US" sz="1400" dirty="0">
+                <a:latin typeface="나눔스퀘어 Bold" panose="020B0600000101010101" pitchFamily="50" charset="-127"/>
+                <a:ea typeface="나눔스퀘어 Bold" panose="020B0600000101010101" pitchFamily="50" charset="-127"/>
+              </a:rPr>
+              <a:t>이</a:t>
+            </a:r>
+            <a:r>
+              <a:rPr lang="ko-KR" altLang="en-US" sz="1400" dirty="0" smtClean="0">
+                <a:latin typeface="나눔스퀘어 Bold" panose="020B0600000101010101" pitchFamily="50" charset="-127"/>
+                <a:ea typeface="나눔스퀘어 Bold" panose="020B0600000101010101" pitchFamily="50" charset="-127"/>
+              </a:rPr>
+              <a:t> 사용되지 않기 때문에 </a:t>
+            </a:r>
+            <a:r>
+              <a:rPr lang="en-US" altLang="ko-KR" sz="1400" dirty="0" smtClean="0">
+                <a:latin typeface="나눔스퀘어 Bold" panose="020B0600000101010101" pitchFamily="50" charset="-127"/>
+                <a:ea typeface="나눔스퀘어 Bold" panose="020B0600000101010101" pitchFamily="50" charset="-127"/>
+              </a:rPr>
+              <a:t>unsupervised</a:t>
+            </a:r>
+            <a:r>
+              <a:rPr lang="ko-KR" altLang="en-US" sz="1400" dirty="0">
+                <a:latin typeface="나눔스퀘어 Bold" panose="020B0600000101010101" pitchFamily="50" charset="-127"/>
+                <a:ea typeface="나눔스퀘어 Bold" panose="020B0600000101010101" pitchFamily="50" charset="-127"/>
+              </a:rPr>
+              <a:t>하게 </a:t>
+            </a:r>
+            <a:r>
+              <a:rPr lang="en-US" altLang="ko-KR" sz="1400" dirty="0">
+                <a:latin typeface="나눔스퀘어 Bold" panose="020B0600000101010101" pitchFamily="50" charset="-127"/>
+                <a:ea typeface="나눔스퀘어 Bold" panose="020B0600000101010101" pitchFamily="50" charset="-127"/>
+              </a:rPr>
+              <a:t>target domain sample</a:t>
+            </a:r>
+            <a:r>
+              <a:rPr lang="ko-KR" altLang="en-US" sz="1400" dirty="0">
+                <a:latin typeface="나눔스퀘어 Bold" panose="020B0600000101010101" pitchFamily="50" charset="-127"/>
+                <a:ea typeface="나눔스퀘어 Bold" panose="020B0600000101010101" pitchFamily="50" charset="-127"/>
+              </a:rPr>
+              <a:t>에도 적용 가능함</a:t>
+            </a:r>
+            <a:endParaRPr lang="en-US" altLang="ko-KR" sz="1400" dirty="0">
+              <a:latin typeface="나눔스퀘어 Bold" panose="020B0600000101010101" pitchFamily="50" charset="-127"/>
+              <a:ea typeface="나눔스퀘어 Bold" panose="020B0600000101010101" pitchFamily="50" charset="-127"/>
+            </a:endParaRPr>
+          </a:p>
+        </p:txBody>
+      </p:sp>
       <p:pic>
         <p:nvPicPr>
           <p:cNvPr id="2" name="그림 1"/>
@@ -4699,14 +4494,14 @@
           <p:nvPr/>
         </p:nvPicPr>
         <p:blipFill>
-          <a:blip r:embed="rId4"/>
+          <a:blip r:embed="rId3"/>
           <a:stretch>
             <a:fillRect/>
           </a:stretch>
         </p:blipFill>
         <p:spPr>
           <a:xfrm>
-            <a:off x="419687" y="1616080"/>
+            <a:off x="419687" y="2930525"/>
             <a:ext cx="4843958" cy="1591444"/>
           </a:xfrm>
           <a:prstGeom prst="rect">
@@ -5195,18 +4990,11 @@
               <a:t>의 첫 번째 항은 </a:t>
             </a:r>
             <a:r>
-              <a:rPr lang="ko-KR" altLang="en-US" sz="1400" dirty="0" err="1">
-                <a:latin typeface="나눔스퀘어 Bold" panose="020B0600000101010101" pitchFamily="50" charset="-127"/>
-                <a:ea typeface="나눔스퀘어 Bold" panose="020B0600000101010101" pitchFamily="50" charset="-127"/>
-              </a:rPr>
-              <a:t>예측확률이</a:t>
-            </a:r>
-            <a:r>
-              <a:rPr lang="ko-KR" altLang="en-US" sz="1400" dirty="0">
-                <a:latin typeface="나눔스퀘어 Bold" panose="020B0600000101010101" pitchFamily="50" charset="-127"/>
-                <a:ea typeface="나눔스퀘어 Bold" panose="020B0600000101010101" pitchFamily="50" charset="-127"/>
-              </a:rPr>
-              <a:t> </a:t>
+              <a:rPr lang="ko-KR" altLang="en-US" sz="1400" dirty="0" smtClean="0">
+                <a:latin typeface="나눔스퀘어 Bold" panose="020B0600000101010101" pitchFamily="50" charset="-127"/>
+                <a:ea typeface="나눔스퀘어 Bold" panose="020B0600000101010101" pitchFamily="50" charset="-127"/>
+              </a:rPr>
+              <a:t>예측 확률이 </a:t>
             </a:r>
             <a:r>
               <a:rPr lang="en-US" altLang="ko-KR" sz="1400" dirty="0">
@@ -5427,7 +5215,7 @@
         </p:blipFill>
         <p:spPr>
           <a:xfrm>
-            <a:off x="460984" y="4217839"/>
+            <a:off x="460984" y="3789831"/>
             <a:ext cx="4819650" cy="1000125"/>
           </a:xfrm>
           <a:prstGeom prst="rect">
@@ -5451,7 +5239,7 @@
         </p:blipFill>
         <p:spPr>
           <a:xfrm>
-            <a:off x="460984" y="5579648"/>
+            <a:off x="605620" y="4803254"/>
             <a:ext cx="2228850" cy="371475"/>
           </a:xfrm>
           <a:prstGeom prst="rect">
@@ -5475,8 +5263,56 @@
         </p:blipFill>
         <p:spPr>
           <a:xfrm>
-            <a:off x="3007029" y="5544653"/>
+            <a:off x="3007029" y="4768259"/>
             <a:ext cx="2228850" cy="441463"/>
+          </a:xfrm>
+          <a:prstGeom prst="rect">
+            <a:avLst/>
+          </a:prstGeom>
+        </p:spPr>
+      </p:pic>
+      <p:pic>
+        <p:nvPicPr>
+          <p:cNvPr id="8" name="그림 7"/>
+          <p:cNvPicPr>
+            <a:picLocks noChangeAspect="1"/>
+          </p:cNvPicPr>
+          <p:nvPr/>
+        </p:nvPicPr>
+        <p:blipFill>
+          <a:blip r:embed="rId7"/>
+          <a:stretch>
+            <a:fillRect/>
+          </a:stretch>
+        </p:blipFill>
+        <p:spPr>
+          <a:xfrm>
+            <a:off x="1048695" y="5638583"/>
+            <a:ext cx="3571549" cy="1020443"/>
+          </a:xfrm>
+          <a:prstGeom prst="rect">
+            <a:avLst/>
+          </a:prstGeom>
+        </p:spPr>
+      </p:pic>
+      <p:pic>
+        <p:nvPicPr>
+          <p:cNvPr id="11" name="그림 10"/>
+          <p:cNvPicPr>
+            <a:picLocks noChangeAspect="1"/>
+          </p:cNvPicPr>
+          <p:nvPr/>
+        </p:nvPicPr>
+        <p:blipFill>
+          <a:blip r:embed="rId8"/>
+          <a:stretch>
+            <a:fillRect/>
+          </a:stretch>
+        </p:blipFill>
+        <p:spPr>
+          <a:xfrm>
+            <a:off x="344251" y="4157186"/>
+            <a:ext cx="265414" cy="265414"/>
           </a:xfrm>
           <a:prstGeom prst="rect">
             <a:avLst/>
@@ -5583,8 +5419,8 @@
         </p:nvSpPr>
         <p:spPr>
           <a:xfrm>
-            <a:off x="5886437" y="1496040"/>
-            <a:ext cx="6207127" cy="1169551"/>
+            <a:off x="5886437" y="1823640"/>
+            <a:ext cx="6207127" cy="738664"/>
           </a:xfrm>
           <a:prstGeom prst="rect">
             <a:avLst/>
@@ -5623,86 +5459,33 @@
               <a:t>는 </a:t>
             </a:r>
             <a:r>
-              <a:rPr lang="en-US" altLang="ko-KR" sz="1400" dirty="0">
-                <a:latin typeface="나눔스퀘어 Bold" panose="020B0600000101010101" pitchFamily="50" charset="-127"/>
-                <a:ea typeface="나눔스퀘어 Bold" panose="020B0600000101010101" pitchFamily="50" charset="-127"/>
-              </a:rPr>
-              <a:t>source supervised </a:t>
-            </a:r>
-            <a:r>
               <a:rPr lang="en-US" altLang="ko-KR" sz="1400" dirty="0" smtClean="0">
                 <a:latin typeface="나눔스퀘어 Bold" panose="020B0600000101010101" pitchFamily="50" charset="-127"/>
                 <a:ea typeface="나눔스퀘어 Bold" panose="020B0600000101010101" pitchFamily="50" charset="-127"/>
               </a:rPr>
-              <a:t>loss,</a:t>
-            </a:r>
-          </a:p>
-          <a:p>
-            <a:pPr marL="285750" indent="-285750">
-              <a:buFont typeface="Wingdings" panose="05000000000000000000" pitchFamily="2" charset="2"/>
-              <a:buChar char="§"/>
-            </a:pPr>
-            <a:endParaRPr lang="en-US" altLang="ko-KR" sz="1400" dirty="0">
-              <a:latin typeface="나눔스퀘어 Bold" panose="020B0600000101010101" pitchFamily="50" charset="-127"/>
-              <a:ea typeface="나눔스퀘어 Bold" panose="020B0600000101010101" pitchFamily="50" charset="-127"/>
-            </a:endParaRPr>
-          </a:p>
-          <a:p>
-            <a:pPr marL="285750" indent="-285750">
-              <a:buFont typeface="Wingdings" panose="05000000000000000000" pitchFamily="2" charset="2"/>
-              <a:buChar char="§"/>
-            </a:pPr>
+              <a:t>weak augmentation</a:t>
+            </a:r>
+            <a:r>
+              <a:rPr lang="ko-KR" altLang="en-US" sz="1400" dirty="0" smtClean="0">
+                <a:latin typeface="나눔스퀘어 Bold" panose="020B0600000101010101" pitchFamily="50" charset="-127"/>
+                <a:ea typeface="나눔스퀘어 Bold" panose="020B0600000101010101" pitchFamily="50" charset="-127"/>
+              </a:rPr>
+              <a:t>을 적용한 </a:t>
+            </a:r>
             <a:r>
               <a:rPr lang="en-US" altLang="ko-KR" sz="1400" dirty="0" smtClean="0">
                 <a:latin typeface="나눔스퀘어 Bold" panose="020B0600000101010101" pitchFamily="50" charset="-127"/>
                 <a:ea typeface="나눔스퀘어 Bold" panose="020B0600000101010101" pitchFamily="50" charset="-127"/>
               </a:rPr>
-              <a:t>confident </a:t>
-            </a:r>
-            <a:r>
-              <a:rPr lang="en-US" altLang="ko-KR" sz="1400" dirty="0">
-                <a:latin typeface="나눔스퀘어 Bold" panose="020B0600000101010101" pitchFamily="50" charset="-127"/>
-                <a:ea typeface="나눔스퀘어 Bold" panose="020B0600000101010101" pitchFamily="50" charset="-127"/>
-              </a:rPr>
-              <a:t>pseudo-label</a:t>
-            </a:r>
-            <a:r>
-              <a:rPr lang="ko-KR" altLang="en-US" sz="1400" dirty="0">
-                <a:latin typeface="나눔스퀘어 Bold" panose="020B0600000101010101" pitchFamily="50" charset="-127"/>
-                <a:ea typeface="나눔스퀘어 Bold" panose="020B0600000101010101" pitchFamily="50" charset="-127"/>
-              </a:rPr>
-              <a:t>에 대한 </a:t>
-            </a:r>
-            <a:r>
-              <a:rPr lang="en-US" altLang="ko-KR" sz="1400" dirty="0">
-                <a:latin typeface="나눔스퀘어 Bold" panose="020B0600000101010101" pitchFamily="50" charset="-127"/>
-                <a:ea typeface="나눔스퀘어 Bold" panose="020B0600000101010101" pitchFamily="50" charset="-127"/>
-              </a:rPr>
-              <a:t>target loss</a:t>
-            </a:r>
-            <a:r>
-              <a:rPr lang="en-US" altLang="ko-KR" sz="1400" dirty="0" smtClean="0">
-                <a:latin typeface="나눔스퀘어 Bold" panose="020B0600000101010101" pitchFamily="50" charset="-127"/>
-                <a:ea typeface="나눔스퀘어 Bold" panose="020B0600000101010101" pitchFamily="50" charset="-127"/>
-              </a:rPr>
-              <a:t>,</a:t>
-            </a:r>
-          </a:p>
-          <a:p>
-            <a:pPr marL="285750" indent="-285750">
-              <a:buFont typeface="Wingdings" panose="05000000000000000000" pitchFamily="2" charset="2"/>
-              <a:buChar char="§"/>
-            </a:pPr>
-            <a:endParaRPr lang="en-US" altLang="ko-KR" sz="1400" dirty="0">
-              <a:latin typeface="나눔스퀘어 Bold" panose="020B0600000101010101" pitchFamily="50" charset="-127"/>
-              <a:ea typeface="나눔스퀘어 Bold" panose="020B0600000101010101" pitchFamily="50" charset="-127"/>
-            </a:endParaRPr>
-          </a:p>
-          <a:p>
-            <a:pPr marL="285750" indent="-285750">
-              <a:buFont typeface="Wingdings" panose="05000000000000000000" pitchFamily="2" charset="2"/>
-              <a:buChar char="§"/>
-            </a:pPr>
+              <a:t>source, target supervised loss</a:t>
+            </a:r>
+            <a:r>
+              <a:rPr lang="ko-KR" altLang="en-US" sz="1400" dirty="0" smtClean="0">
+                <a:latin typeface="나눔스퀘어 Bold" panose="020B0600000101010101" pitchFamily="50" charset="-127"/>
+                <a:ea typeface="나눔스퀘어 Bold" panose="020B0600000101010101" pitchFamily="50" charset="-127"/>
+              </a:rPr>
+              <a:t>에 </a:t>
+            </a:r>
             <a:r>
               <a:rPr lang="ko-KR" altLang="en-US" sz="1400" dirty="0" smtClean="0">
                 <a:latin typeface="나눔스퀘어 Bold" panose="020B0600000101010101" pitchFamily="50" charset="-127"/>
@@ -5849,7 +5632,7 @@
         </p:blipFill>
         <p:spPr>
           <a:xfrm>
-            <a:off x="493081" y="1823640"/>
+            <a:off x="250521" y="1974277"/>
             <a:ext cx="4667250" cy="514350"/>
           </a:xfrm>
           <a:prstGeom prst="rect">
@@ -6020,6 +5803,54 @@
           </p:txBody>
         </p:sp>
       </p:grpSp>
+      <p:pic>
+        <p:nvPicPr>
+          <p:cNvPr id="6" name="그림 5"/>
+          <p:cNvPicPr>
+            <a:picLocks noChangeAspect="1"/>
+          </p:cNvPicPr>
+          <p:nvPr/>
+        </p:nvPicPr>
+        <p:blipFill>
+          <a:blip r:embed="rId4"/>
+          <a:stretch>
+            <a:fillRect/>
+          </a:stretch>
+        </p:blipFill>
+        <p:spPr>
+          <a:xfrm>
+            <a:off x="493081" y="608937"/>
+            <a:ext cx="2650952" cy="621440"/>
+          </a:xfrm>
+          <a:prstGeom prst="rect">
+            <a:avLst/>
+          </a:prstGeom>
+        </p:spPr>
+      </p:pic>
+      <p:pic>
+        <p:nvPicPr>
+          <p:cNvPr id="8" name="그림 7"/>
+          <p:cNvPicPr>
+            <a:picLocks noChangeAspect="1"/>
+          </p:cNvPicPr>
+          <p:nvPr/>
+        </p:nvPicPr>
+        <p:blipFill>
+          <a:blip r:embed="rId5"/>
+          <a:stretch>
+            <a:fillRect/>
+          </a:stretch>
+        </p:blipFill>
+        <p:spPr>
+          <a:xfrm>
+            <a:off x="493081" y="1230377"/>
+            <a:ext cx="3996469" cy="524013"/>
+          </a:xfrm>
+          <a:prstGeom prst="rect">
+            <a:avLst/>
+          </a:prstGeom>
+        </p:spPr>
+      </p:pic>
     </p:spTree>
     <p:extLst>
       <p:ext uri="{BB962C8B-B14F-4D97-AF65-F5344CB8AC3E}">
@@ -6268,7 +6099,28 @@
                 <a:latin typeface="나눔스퀘어 Bold" panose="020B0600000101010101" pitchFamily="50" charset="-127"/>
                 <a:ea typeface="나눔스퀘어 Bold" panose="020B0600000101010101" pitchFamily="50" charset="-127"/>
               </a:rPr>
-              <a:t>보다 뛰어난 성능을 보여 </a:t>
+              <a:t>보다 뛰어난 성능을 </a:t>
+            </a:r>
+            <a:r>
+              <a:rPr lang="ko-KR" altLang="en-US" sz="1400" dirty="0" smtClean="0">
+                <a:latin typeface="나눔스퀘어 Bold" panose="020B0600000101010101" pitchFamily="50" charset="-127"/>
+                <a:ea typeface="나눔스퀘어 Bold" panose="020B0600000101010101" pitchFamily="50" charset="-127"/>
+              </a:rPr>
+              <a:t>보여</a:t>
+            </a:r>
+            <a:r>
+              <a:rPr lang="en-US" altLang="ko-KR" sz="1400" dirty="0" smtClean="0">
+                <a:latin typeface="나눔스퀘어 Bold" panose="020B0600000101010101" pitchFamily="50" charset="-127"/>
+                <a:ea typeface="나눔스퀘어 Bold" panose="020B0600000101010101" pitchFamily="50" charset="-127"/>
+              </a:rPr>
+              <a:t>,</a:t>
+            </a:r>
+            <a:r>
+              <a:rPr lang="ko-KR" altLang="en-US" sz="1400" dirty="0" smtClean="0">
+                <a:latin typeface="나눔스퀘어 Bold" panose="020B0600000101010101" pitchFamily="50" charset="-127"/>
+                <a:ea typeface="나눔스퀘어 Bold" panose="020B0600000101010101" pitchFamily="50" charset="-127"/>
+              </a:rPr>
+              <a:t> </a:t>
             </a:r>
             <a:r>
               <a:rPr lang="en-US" altLang="ko-KR" sz="1400" dirty="0">
@@ -6372,7 +6224,35 @@
                 <a:latin typeface="나눔스퀘어 Bold" panose="020B0600000101010101" pitchFamily="50" charset="-127"/>
                 <a:ea typeface="나눔스퀘어 Bold" panose="020B0600000101010101" pitchFamily="50" charset="-127"/>
               </a:rPr>
-              <a:t>과 뚜렷한 차이를 나타냄</a:t>
+              <a:t>과 뚜렷한 </a:t>
+            </a:r>
+            <a:r>
+              <a:rPr lang="en-US" altLang="ko-KR" sz="1400" dirty="0" smtClean="0">
+                <a:latin typeface="나눔스퀘어 Bold" panose="020B0600000101010101" pitchFamily="50" charset="-127"/>
+                <a:ea typeface="나눔스퀘어 Bold" panose="020B0600000101010101" pitchFamily="50" charset="-127"/>
+              </a:rPr>
+              <a:t>avera</a:t>
+            </a:r>
+            <a:r>
+              <a:rPr lang="en-US" altLang="ko-KR" sz="1400" dirty="0" smtClean="0">
+                <a:latin typeface="나눔스퀘어 Bold" panose="020B0600000101010101" pitchFamily="50" charset="-127"/>
+                <a:ea typeface="나눔스퀘어 Bold" panose="020B0600000101010101" pitchFamily="50" charset="-127"/>
+              </a:rPr>
+              <a:t>ge accuracy </a:t>
+            </a:r>
+            <a:r>
+              <a:rPr lang="ko-KR" altLang="en-US" sz="1400" dirty="0" smtClean="0">
+                <a:latin typeface="나눔스퀘어 Bold" panose="020B0600000101010101" pitchFamily="50" charset="-127"/>
+                <a:ea typeface="나눔스퀘어 Bold" panose="020B0600000101010101" pitchFamily="50" charset="-127"/>
+              </a:rPr>
+              <a:t>차이를 </a:t>
+            </a:r>
+            <a:r>
+              <a:rPr lang="ko-KR" altLang="en-US" sz="1400" dirty="0">
+                <a:latin typeface="나눔스퀘어 Bold" panose="020B0600000101010101" pitchFamily="50" charset="-127"/>
+                <a:ea typeface="나눔스퀘어 Bold" panose="020B0600000101010101" pitchFamily="50" charset="-127"/>
+              </a:rPr>
+              <a:t>나타냄</a:t>
             </a:r>
             <a:endParaRPr lang="en-US" altLang="ko-KR" sz="1400" dirty="0" smtClean="0">
               <a:latin typeface="나눔스퀘어 Bold" panose="020B0600000101010101" pitchFamily="50" charset="-127"/>
@@ -6545,11 +6425,11 @@
               <a:t>visual prompting </a:t>
             </a:r>
             <a:r>
-              <a:rPr lang="ko-KR" altLang="en-US" sz="1400" dirty="0">
-                <a:latin typeface="나눔스퀘어 Bold" panose="020B0600000101010101" pitchFamily="50" charset="-127"/>
-                <a:ea typeface="나눔스퀘어 Bold" panose="020B0600000101010101" pitchFamily="50" charset="-127"/>
-              </a:rPr>
-              <a:t>이전과 이후의 </a:t>
+              <a:rPr lang="ko-KR" altLang="en-US" sz="1400" dirty="0" smtClean="0">
+                <a:latin typeface="나눔스퀘어 Bold" panose="020B0600000101010101" pitchFamily="50" charset="-127"/>
+                <a:ea typeface="나눔스퀘어 Bold" panose="020B0600000101010101" pitchFamily="50" charset="-127"/>
+              </a:rPr>
+              <a:t>전과 후의 </a:t>
             </a:r>
             <a:r>
               <a:rPr lang="en-US" altLang="ko-KR" sz="1400" dirty="0">
@@ -6716,7 +6596,42 @@
                 <a:latin typeface="나눔스퀘어 Bold" panose="020B0600000101010101" pitchFamily="50" charset="-127"/>
                 <a:ea typeface="나눔스퀘어 Bold" panose="020B0600000101010101" pitchFamily="50" charset="-127"/>
               </a:rPr>
-              <a:t>으로 인해 </a:t>
+              <a:t>으로 </a:t>
+            </a:r>
+            <a:r>
+              <a:rPr lang="ko-KR" altLang="en-US" sz="1400" dirty="0" smtClean="0">
+                <a:latin typeface="나눔스퀘어 Bold" panose="020B0600000101010101" pitchFamily="50" charset="-127"/>
+                <a:ea typeface="나눔스퀘어 Bold" panose="020B0600000101010101" pitchFamily="50" charset="-127"/>
+              </a:rPr>
+              <a:t>인해</a:t>
+            </a:r>
+            <a:r>
+              <a:rPr lang="en-US" altLang="ko-KR" sz="1400" dirty="0" smtClean="0">
+                <a:latin typeface="나눔스퀘어 Bold" panose="020B0600000101010101" pitchFamily="50" charset="-127"/>
+                <a:ea typeface="나눔스퀘어 Bold" panose="020B0600000101010101" pitchFamily="50" charset="-127"/>
+              </a:rPr>
+              <a:t>, </a:t>
+            </a:r>
+            <a:r>
+              <a:rPr lang="ko-KR" altLang="en-US" sz="1400" dirty="0">
+                <a:latin typeface="나눔스퀘어 Bold" panose="020B0600000101010101" pitchFamily="50" charset="-127"/>
+                <a:ea typeface="나눔스퀘어 Bold" panose="020B0600000101010101" pitchFamily="50" charset="-127"/>
+              </a:rPr>
+              <a:t>각 </a:t>
+            </a:r>
+            <a:r>
+              <a:rPr lang="en-US" altLang="ko-KR" sz="1400" dirty="0">
+                <a:latin typeface="나눔스퀘어 Bold" panose="020B0600000101010101" pitchFamily="50" charset="-127"/>
+                <a:ea typeface="나눔스퀘어 Bold" panose="020B0600000101010101" pitchFamily="50" charset="-127"/>
+              </a:rPr>
+              <a:t>class </a:t>
+            </a:r>
+            <a:r>
+              <a:rPr lang="ko-KR" altLang="en-US" sz="1400" dirty="0">
+                <a:latin typeface="나눔스퀘어 Bold" panose="020B0600000101010101" pitchFamily="50" charset="-127"/>
+                <a:ea typeface="나눔스퀘어 Bold" panose="020B0600000101010101" pitchFamily="50" charset="-127"/>
+              </a:rPr>
+              <a:t>내에서 </a:t>
             </a:r>
             <a:r>
               <a:rPr lang="en-US" altLang="ko-KR" sz="1400" dirty="0">
@@ -6730,24 +6645,10 @@
                 <a:latin typeface="나눔스퀘어 Bold" panose="020B0600000101010101" pitchFamily="50" charset="-127"/>
                 <a:ea typeface="나눔스퀘어 Bold" panose="020B0600000101010101" pitchFamily="50" charset="-127"/>
               </a:rPr>
-              <a:t>의 각 </a:t>
-            </a:r>
-            <a:r>
-              <a:rPr lang="en-US" altLang="ko-KR" sz="1400" dirty="0">
-                <a:latin typeface="나눔스퀘어 Bold" panose="020B0600000101010101" pitchFamily="50" charset="-127"/>
-                <a:ea typeface="나눔스퀘어 Bold" panose="020B0600000101010101" pitchFamily="50" charset="-127"/>
-              </a:rPr>
-              <a:t>class </a:t>
-            </a:r>
-            <a:r>
-              <a:rPr lang="ko-KR" altLang="en-US" sz="1400" dirty="0">
-                <a:latin typeface="나눔스퀘어 Bold" panose="020B0600000101010101" pitchFamily="50" charset="-127"/>
-                <a:ea typeface="나눔스퀘어 Bold" panose="020B0600000101010101" pitchFamily="50" charset="-127"/>
-              </a:rPr>
-              <a:t>내에서 </a:t>
-            </a:r>
-            <a:r>
-              <a:rPr lang="en-US" altLang="ko-KR" sz="1400" dirty="0">
+              <a:t>의 </a:t>
+            </a:r>
+            <a:r>
+              <a:rPr lang="en-US" altLang="ko-KR" sz="1400" dirty="0" smtClean="0">
                 <a:latin typeface="나눔스퀘어 Bold" panose="020B0600000101010101" pitchFamily="50" charset="-127"/>
                 <a:ea typeface="나눔스퀘어 Bold" panose="020B0600000101010101" pitchFamily="50" charset="-127"/>
               </a:rPr>
@@ -6765,7 +6666,21 @@
                 <a:latin typeface="나눔스퀘어 Bold" panose="020B0600000101010101" pitchFamily="50" charset="-127"/>
                 <a:ea typeface="나눔스퀘어 Bold" panose="020B0600000101010101" pitchFamily="50" charset="-127"/>
               </a:rPr>
-              <a:t>생겨난 </a:t>
+              <a:t>생</a:t>
+            </a:r>
+            <a:r>
+              <a:rPr lang="ko-KR" altLang="en-US" sz="1400" dirty="0">
+                <a:latin typeface="나눔스퀘어 Bold" panose="020B0600000101010101" pitchFamily="50" charset="-127"/>
+                <a:ea typeface="나눔스퀘어 Bold" panose="020B0600000101010101" pitchFamily="50" charset="-127"/>
+              </a:rPr>
+              <a:t>긴</a:t>
+            </a:r>
+            <a:r>
+              <a:rPr lang="ko-KR" altLang="en-US" sz="1400" dirty="0" smtClean="0">
+                <a:latin typeface="나눔스퀘어 Bold" panose="020B0600000101010101" pitchFamily="50" charset="-127"/>
+                <a:ea typeface="나눔스퀘어 Bold" panose="020B0600000101010101" pitchFamily="50" charset="-127"/>
+              </a:rPr>
+              <a:t> </a:t>
             </a:r>
             <a:r>
               <a:rPr lang="ko-KR" altLang="en-US" sz="1400" dirty="0">
@@ -6821,7 +6736,7 @@
         </p:blipFill>
         <p:spPr>
           <a:xfrm>
-            <a:off x="829522" y="3782767"/>
+            <a:off x="829522" y="3677191"/>
             <a:ext cx="3166281" cy="2624680"/>
           </a:xfrm>
           <a:prstGeom prst="rect">
@@ -7484,8 +7399,8 @@
           </a:p>
         </p:txBody>
       </p:sp>
-      <mc:AlternateContent xmlns:mc="http://schemas.openxmlformats.org/markup-compatibility/2006">
-        <mc:Choice xmlns:a14="http://schemas.microsoft.com/office/drawing/2010/main" Requires="a14">
+      <mc:AlternateContent xmlns:mc="http://schemas.openxmlformats.org/markup-compatibility/2006" xmlns:a14="http://schemas.microsoft.com/office/drawing/2010/main">
+        <mc:Choice Requires="a14">
           <p:sp>
             <p:nvSpPr>
               <p:cNvPr id="10" name="TextBox 9">
@@ -7644,7 +7559,7 @@
             </p:txBody>
           </p:sp>
         </mc:Choice>
-        <mc:Fallback>
+        <mc:Fallback xmlns="">
           <p:sp>
             <p:nvSpPr>
               <p:cNvPr id="10" name="TextBox 9">
@@ -7976,8 +7891,8 @@
           </a:prstGeom>
         </p:spPr>
       </p:pic>
-      <mc:AlternateContent xmlns:mc="http://schemas.openxmlformats.org/markup-compatibility/2006">
-        <mc:Choice xmlns:a14="http://schemas.microsoft.com/office/drawing/2010/main" Requires="a14">
+      <mc:AlternateContent xmlns:mc="http://schemas.openxmlformats.org/markup-compatibility/2006" xmlns:a14="http://schemas.microsoft.com/office/drawing/2010/main">
+        <mc:Choice Requires="a14">
           <p:sp>
             <p:nvSpPr>
               <p:cNvPr id="13" name="TextBox 12">
@@ -8136,7 +8051,7 @@
             </p:txBody>
           </p:sp>
         </mc:Choice>
-        <mc:Fallback>
+        <mc:Fallback xmlns="">
           <p:sp>
             <p:nvSpPr>
               <p:cNvPr id="13" name="TextBox 12">
@@ -8458,11 +8373,18 @@
                   <a:t>에 해당하는 </a:t>
                 </a:r>
                 <a:r>
-                  <a:rPr lang="en-US" altLang="ko-KR" sz="1400" dirty="0">
-                    <a:latin typeface="나눔스퀘어 Bold" panose="020B0600000101010101" pitchFamily="50" charset="-127"/>
-                    <a:ea typeface="나눔스퀘어 Bold" panose="020B0600000101010101" pitchFamily="50" charset="-127"/>
-                  </a:rPr>
-                  <a:t>class token </a:t>
+                  <a:rPr lang="ko-KR" altLang="en-US" sz="1400" dirty="0" smtClean="0">
+                    <a:latin typeface="나눔스퀘어 Bold" panose="020B0600000101010101" pitchFamily="50" charset="-127"/>
+                    <a:ea typeface="나눔스퀘어 Bold" panose="020B0600000101010101" pitchFamily="50" charset="-127"/>
+                  </a:rPr>
+                  <a:t>마지막</a:t>
+                </a:r>
+                <a:r>
+                  <a:rPr lang="en-US" altLang="ko-KR" sz="1400" dirty="0" smtClean="0">
+                    <a:latin typeface="나눔스퀘어 Bold" panose="020B0600000101010101" pitchFamily="50" charset="-127"/>
+                    <a:ea typeface="나눔스퀘어 Bold" panose="020B0600000101010101" pitchFamily="50" charset="-127"/>
+                  </a:rPr>
+                  <a:t> </a:t>
                 </a:r>
                 <a:r>
                   <a:rPr lang="ko-KR" altLang="en-US" sz="1400" dirty="0">
@@ -8651,8 +8573,8 @@
           </p:sp>
         </mc:Fallback>
       </mc:AlternateContent>
-      <mc:AlternateContent xmlns:mc="http://schemas.openxmlformats.org/markup-compatibility/2006">
-        <mc:Choice xmlns:a14="http://schemas.microsoft.com/office/drawing/2010/main" Requires="a14">
+      <mc:AlternateContent xmlns:mc="http://schemas.openxmlformats.org/markup-compatibility/2006" xmlns:a14="http://schemas.microsoft.com/office/drawing/2010/main">
+        <mc:Choice Requires="a14">
           <p:sp>
             <p:nvSpPr>
               <p:cNvPr id="7" name="TextBox 6">
@@ -8790,7 +8712,7 @@
             </p:txBody>
           </p:sp>
         </mc:Choice>
-        <mc:Fallback>
+        <mc:Fallback xmlns="">
           <p:sp>
             <p:nvSpPr>
               <p:cNvPr id="7" name="TextBox 6">
@@ -8835,8 +8757,8 @@
           </p:sp>
         </mc:Fallback>
       </mc:AlternateContent>
-      <mc:AlternateContent xmlns:mc="http://schemas.openxmlformats.org/markup-compatibility/2006">
-        <mc:Choice xmlns:a14="http://schemas.microsoft.com/office/drawing/2010/main" Requires="a14">
+      <mc:AlternateContent xmlns:mc="http://schemas.openxmlformats.org/markup-compatibility/2006" xmlns:a14="http://schemas.microsoft.com/office/drawing/2010/main">
+        <mc:Choice Requires="a14">
           <p:sp>
             <p:nvSpPr>
               <p:cNvPr id="13" name="TextBox 12">
@@ -9100,7 +9022,7 @@
             </p:txBody>
           </p:sp>
         </mc:Choice>
-        <mc:Fallback>
+        <mc:Fallback xmlns="">
           <p:sp>
             <p:nvSpPr>
               <p:cNvPr id="13" name="TextBox 12">
@@ -9145,8 +9067,8 @@
           </p:sp>
         </mc:Fallback>
       </mc:AlternateContent>
-      <mc:AlternateContent xmlns:mc="http://schemas.openxmlformats.org/markup-compatibility/2006">
-        <mc:Choice xmlns:a14="http://schemas.microsoft.com/office/drawing/2010/main" Requires="a14">
+      <mc:AlternateContent xmlns:mc="http://schemas.openxmlformats.org/markup-compatibility/2006" xmlns:a14="http://schemas.microsoft.com/office/drawing/2010/main">
+        <mc:Choice Requires="a14">
           <p:sp>
             <p:nvSpPr>
               <p:cNvPr id="17" name="TextBox 16">
@@ -9319,7 +9241,7 @@
             </p:txBody>
           </p:sp>
         </mc:Choice>
-        <mc:Fallback>
+        <mc:Fallback xmlns="">
           <p:sp>
             <p:nvSpPr>
               <p:cNvPr id="17" name="TextBox 16">
@@ -9806,7 +9728,7 @@
         <p:spPr>
           <a:xfrm>
             <a:off x="5886430" y="1418247"/>
-            <a:ext cx="6207127" cy="1384995"/>
+            <a:ext cx="6207127" cy="1600438"/>
           </a:xfrm>
           <a:prstGeom prst="rect">
             <a:avLst/>
@@ -9896,11 +9818,18 @@
               <a:buChar char="§"/>
             </a:pPr>
             <a:r>
+              <a:rPr lang="en-US" altLang="ko-KR" sz="1400" dirty="0" smtClean="0">
+                <a:latin typeface="나눔스퀘어 Bold" panose="020B0600000101010101" pitchFamily="50" charset="-127"/>
+                <a:ea typeface="나눔스퀘어 Bold" panose="020B0600000101010101" pitchFamily="50" charset="-127"/>
+              </a:rPr>
+              <a:t>Self-attention, cross-attention</a:t>
+            </a:r>
+            <a:r>
               <a:rPr lang="ko-KR" altLang="en-US" sz="1400" dirty="0" smtClean="0">
                 <a:latin typeface="나눔스퀘어 Bold" panose="020B0600000101010101" pitchFamily="50" charset="-127"/>
                 <a:ea typeface="나눔스퀘어 Bold" panose="020B0600000101010101" pitchFamily="50" charset="-127"/>
               </a:rPr>
-              <a:t>여러 </a:t>
+              <a:t>을 수행하는 여러 </a:t>
             </a:r>
             <a:r>
               <a:rPr lang="ko-KR" altLang="en-US" sz="1400" dirty="0">
@@ -10048,6 +9977,78 @@
           </a:p>
         </p:txBody>
       </p:sp>
+      <p:pic>
+        <p:nvPicPr>
+          <p:cNvPr id="3" name="그림 2"/>
+          <p:cNvPicPr>
+            <a:picLocks noChangeAspect="1"/>
+          </p:cNvPicPr>
+          <p:nvPr/>
+        </p:nvPicPr>
+        <p:blipFill>
+          <a:blip r:embed="rId2"/>
+          <a:stretch>
+            <a:fillRect/>
+          </a:stretch>
+        </p:blipFill>
+        <p:spPr>
+          <a:xfrm>
+            <a:off x="0" y="3989947"/>
+            <a:ext cx="5886429" cy="2552745"/>
+          </a:xfrm>
+          <a:prstGeom prst="rect">
+            <a:avLst/>
+          </a:prstGeom>
+        </p:spPr>
+      </p:pic>
+      <p:pic>
+        <p:nvPicPr>
+          <p:cNvPr id="4" name="그림 3"/>
+          <p:cNvPicPr>
+            <a:picLocks noChangeAspect="1"/>
+          </p:cNvPicPr>
+          <p:nvPr/>
+        </p:nvPicPr>
+        <p:blipFill>
+          <a:blip r:embed="rId3"/>
+          <a:stretch>
+            <a:fillRect/>
+          </a:stretch>
+        </p:blipFill>
+        <p:spPr>
+          <a:xfrm>
+            <a:off x="-1" y="657343"/>
+            <a:ext cx="5886429" cy="2879799"/>
+          </a:xfrm>
+          <a:prstGeom prst="rect">
+            <a:avLst/>
+          </a:prstGeom>
+        </p:spPr>
+      </p:pic>
+      <p:pic>
+        <p:nvPicPr>
+          <p:cNvPr id="5" name="그림 4"/>
+          <p:cNvPicPr>
+            <a:picLocks noChangeAspect="1"/>
+          </p:cNvPicPr>
+          <p:nvPr/>
+        </p:nvPicPr>
+        <p:blipFill>
+          <a:blip r:embed="rId4"/>
+          <a:stretch>
+            <a:fillRect/>
+          </a:stretch>
+        </p:blipFill>
+        <p:spPr>
+          <a:xfrm>
+            <a:off x="2943213" y="1110510"/>
+            <a:ext cx="2304594" cy="1000234"/>
+          </a:xfrm>
+          <a:prstGeom prst="rect">
+            <a:avLst/>
+          </a:prstGeom>
+        </p:spPr>
+      </p:pic>
     </p:spTree>
     <p:extLst>
       <p:ext uri="{BB962C8B-B14F-4D97-AF65-F5344CB8AC3E}">
@@ -10328,14 +10329,35 @@
                 <a:latin typeface="나눔스퀘어 Bold" panose="020B0600000101010101" pitchFamily="50" charset="-127"/>
                 <a:ea typeface="나눔스퀘어 Bold" panose="020B0600000101010101" pitchFamily="50" charset="-127"/>
               </a:rPr>
-              <a:t>domain classifier</a:t>
-            </a:r>
-            <a:r>
-              <a:rPr lang="ko-KR" altLang="en-US" sz="1400" dirty="0">
-                <a:latin typeface="나눔스퀘어 Bold" panose="020B0600000101010101" pitchFamily="50" charset="-127"/>
-                <a:ea typeface="나눔스퀘어 Bold" panose="020B0600000101010101" pitchFamily="50" charset="-127"/>
-              </a:rPr>
-              <a:t>는 속이는 동시에</a:t>
+              <a:t>domain </a:t>
+            </a:r>
+            <a:r>
+              <a:rPr lang="en-US" altLang="ko-KR" sz="1400" dirty="0" smtClean="0">
+                <a:latin typeface="나눔스퀘어 Bold" panose="020B0600000101010101" pitchFamily="50" charset="-127"/>
+                <a:ea typeface="나눔스퀘어 Bold" panose="020B0600000101010101" pitchFamily="50" charset="-127"/>
+              </a:rPr>
+              <a:t>classifier</a:t>
+            </a:r>
+            <a:r>
+              <a:rPr lang="ko-KR" altLang="en-US" sz="1400" dirty="0">
+                <a:latin typeface="나눔스퀘어 Bold" panose="020B0600000101010101" pitchFamily="50" charset="-127"/>
+                <a:ea typeface="나눔스퀘어 Bold" panose="020B0600000101010101" pitchFamily="50" charset="-127"/>
+              </a:rPr>
+              <a:t>를</a:t>
+            </a:r>
+            <a:r>
+              <a:rPr lang="ko-KR" altLang="en-US" sz="1400" dirty="0" smtClean="0">
+                <a:latin typeface="나눔스퀘어 Bold" panose="020B0600000101010101" pitchFamily="50" charset="-127"/>
+                <a:ea typeface="나눔스퀘어 Bold" panose="020B0600000101010101" pitchFamily="50" charset="-127"/>
+              </a:rPr>
+              <a:t> </a:t>
+            </a:r>
+            <a:r>
+              <a:rPr lang="ko-KR" altLang="en-US" sz="1400" dirty="0">
+                <a:latin typeface="나눔스퀘어 Bold" panose="020B0600000101010101" pitchFamily="50" charset="-127"/>
+                <a:ea typeface="나눔스퀘어 Bold" panose="020B0600000101010101" pitchFamily="50" charset="-127"/>
+              </a:rPr>
+              <a:t>속이는 동시에</a:t>
             </a:r>
             <a:r>
               <a:rPr lang="en-US" altLang="ko-KR" sz="1400" dirty="0">
@@ -10363,7 +10385,14 @@
                 <a:latin typeface="나눔스퀘어 Bold" panose="020B0600000101010101" pitchFamily="50" charset="-127"/>
                 <a:ea typeface="나눔스퀘어 Bold" panose="020B0600000101010101" pitchFamily="50" charset="-127"/>
               </a:rPr>
-              <a:t>은 정확하게 예측하도록 학습시켰음</a:t>
+              <a:t>은 정확하게 예측하도록 </a:t>
+            </a:r>
+            <a:r>
+              <a:rPr lang="ko-KR" altLang="en-US" sz="1400" dirty="0" smtClean="0">
+                <a:latin typeface="나눔스퀘어 Bold" panose="020B0600000101010101" pitchFamily="50" charset="-127"/>
+                <a:ea typeface="나눔스퀘어 Bold" panose="020B0600000101010101" pitchFamily="50" charset="-127"/>
+              </a:rPr>
+              <a:t>학습했음</a:t>
             </a:r>
             <a:endParaRPr lang="en-US" altLang="ko-KR" sz="1400" dirty="0" smtClean="0">
               <a:latin typeface="나눔스퀘어 Bold" panose="020B0600000101010101" pitchFamily="50" charset="-127"/>
@@ -10707,6 +10736,2116 @@
     <p:extLst>
       <p:ext uri="{BB962C8B-B14F-4D97-AF65-F5344CB8AC3E}">
         <p14:creationId xmlns:p14="http://schemas.microsoft.com/office/powerpoint/2010/main" val="1612118894"/>
+      </p:ext>
+    </p:extLst>
+  </p:cSld>
+  <p:clrMapOvr>
+    <a:masterClrMapping/>
+  </p:clrMapOvr>
+  <p:timing>
+    <p:tnLst>
+      <p:par>
+        <p:cTn id="1" dur="indefinite" restart="never" nodeType="tmRoot"/>
+      </p:par>
+    </p:tnLst>
+  </p:timing>
+</p:sld>
+</file>
+
+<file path=ppt/slides/slide20.xml><?xml version="1.0" encoding="utf-8"?>
+<p:sld xmlns:a="http://schemas.openxmlformats.org/drawingml/2006/main" xmlns:r="http://schemas.openxmlformats.org/officeDocument/2006/relationships" xmlns:p="http://schemas.openxmlformats.org/presentationml/2006/main">
+  <p:cSld>
+    <p:spTree>
+      <p:nvGrpSpPr>
+        <p:cNvPr id="1" name=""/>
+        <p:cNvGrpSpPr/>
+        <p:nvPr/>
+      </p:nvGrpSpPr>
+      <p:grpSpPr>
+        <a:xfrm>
+          <a:off x="0" y="0"/>
+          <a:ext cx="0" cy="0"/>
+          <a:chOff x="0" y="0"/>
+          <a:chExt cx="0" cy="0"/>
+        </a:xfrm>
+      </p:grpSpPr>
+      <p:sp>
+        <p:nvSpPr>
+          <p:cNvPr id="12" name="TextBox 11">
+            <a:extLst>
+              <a:ext uri="{FF2B5EF4-FFF2-40B4-BE49-F238E27FC236}">
+                <a16:creationId xmlns:a16="http://schemas.microsoft.com/office/drawing/2014/main" id="{C7D7709E-206F-4B6B-9ABA-DCEDF98FB299}"/>
+              </a:ext>
+            </a:extLst>
+          </p:cNvPr>
+          <p:cNvSpPr txBox="1"/>
+          <p:nvPr/>
+        </p:nvSpPr>
+        <p:spPr>
+          <a:xfrm>
+            <a:off x="1204240" y="0"/>
+            <a:ext cx="9783520" cy="584775"/>
+          </a:xfrm>
+          <a:prstGeom prst="rect">
+            <a:avLst/>
+          </a:prstGeom>
+          <a:noFill/>
+        </p:spPr>
+        <p:txBody>
+          <a:bodyPr wrap="square" rtlCol="0">
+            <a:spAutoFit/>
+          </a:bodyPr>
+          <a:lstStyle/>
+          <a:p>
+            <a:pPr algn="ctr"/>
+            <a:r>
+              <a:rPr lang="en-US" altLang="ko-KR" sz="3200" dirty="0" smtClean="0">
+                <a:solidFill>
+                  <a:srgbClr val="212529"/>
+                </a:solidFill>
+                <a:latin typeface="나눔스퀘어 Bold" panose="020B0600000101010101" pitchFamily="50" charset="-127"/>
+                <a:ea typeface="나눔스퀘어 Bold" panose="020B0600000101010101" pitchFamily="50" charset="-127"/>
+              </a:rPr>
+              <a:t>Code</a:t>
+            </a:r>
+            <a:endParaRPr lang="en-US" altLang="ko-KR" sz="3200" dirty="0">
+              <a:solidFill>
+                <a:srgbClr val="212529"/>
+              </a:solidFill>
+              <a:latin typeface="나눔스퀘어 Bold" panose="020B0600000101010101" pitchFamily="50" charset="-127"/>
+              <a:ea typeface="나눔스퀘어 Bold" panose="020B0600000101010101" pitchFamily="50" charset="-127"/>
+            </a:endParaRPr>
+          </a:p>
+        </p:txBody>
+      </p:sp>
+      <p:sp>
+        <p:nvSpPr>
+          <p:cNvPr id="10" name="TextBox 9">
+            <a:extLst>
+              <a:ext uri="{FF2B5EF4-FFF2-40B4-BE49-F238E27FC236}">
+                <a16:creationId xmlns:a16="http://schemas.microsoft.com/office/drawing/2014/main" id="{9922EEF6-C41D-4EED-AAFA-E7D60D60CE65}"/>
+              </a:ext>
+            </a:extLst>
+          </p:cNvPr>
+          <p:cNvSpPr txBox="1"/>
+          <p:nvPr/>
+        </p:nvSpPr>
+        <p:spPr>
+          <a:xfrm>
+            <a:off x="5886430" y="1418247"/>
+            <a:ext cx="6207127" cy="2031325"/>
+          </a:xfrm>
+          <a:prstGeom prst="rect">
+            <a:avLst/>
+          </a:prstGeom>
+          <a:noFill/>
+        </p:spPr>
+        <p:txBody>
+          <a:bodyPr wrap="square" rtlCol="0">
+            <a:spAutoFit/>
+          </a:bodyPr>
+          <a:lstStyle/>
+          <a:p>
+            <a:pPr marL="285750" indent="-285750">
+              <a:buFont typeface="Wingdings" panose="05000000000000000000" pitchFamily="2" charset="2"/>
+              <a:buChar char="§"/>
+            </a:pPr>
+            <a:r>
+              <a:rPr lang="en-US" altLang="ko-KR" sz="1400" dirty="0">
+                <a:latin typeface="나눔스퀘어 Bold" panose="020B0600000101010101" pitchFamily="50" charset="-127"/>
+                <a:ea typeface="나눔스퀘어 Bold" panose="020B0600000101010101" pitchFamily="50" charset="-127"/>
+              </a:rPr>
+              <a:t>pseudo-label</a:t>
+            </a:r>
+            <a:r>
+              <a:rPr lang="ko-KR" altLang="en-US" sz="1400" dirty="0">
+                <a:latin typeface="나눔스퀘어 Bold" panose="020B0600000101010101" pitchFamily="50" charset="-127"/>
+                <a:ea typeface="나눔스퀘어 Bold" panose="020B0600000101010101" pitchFamily="50" charset="-127"/>
+              </a:rPr>
+              <a:t>을 생성할 </a:t>
+            </a:r>
+            <a:r>
+              <a:rPr lang="ko-KR" altLang="en-US" sz="1400" dirty="0" smtClean="0">
+                <a:latin typeface="나눔스퀘어 Bold" panose="020B0600000101010101" pitchFamily="50" charset="-127"/>
+                <a:ea typeface="나눔스퀘어 Bold" panose="020B0600000101010101" pitchFamily="50" charset="-127"/>
+              </a:rPr>
+              <a:t>때</a:t>
+            </a:r>
+            <a:r>
+              <a:rPr lang="en-US" altLang="ko-KR" sz="1400" dirty="0" smtClean="0">
+                <a:latin typeface="나눔스퀘어 Bold" panose="020B0600000101010101" pitchFamily="50" charset="-127"/>
+                <a:ea typeface="나눔스퀘어 Bold" panose="020B0600000101010101" pitchFamily="50" charset="-127"/>
+              </a:rPr>
+              <a:t>, </a:t>
+            </a:r>
+            <a:r>
+              <a:rPr lang="ko-KR" altLang="en-US" sz="1400" dirty="0">
+                <a:latin typeface="나눔스퀘어 Bold" panose="020B0600000101010101" pitchFamily="50" charset="-127"/>
+                <a:ea typeface="나눔스퀘어 Bold" panose="020B0600000101010101" pitchFamily="50" charset="-127"/>
+              </a:rPr>
+              <a:t>초반에는 </a:t>
+            </a:r>
+            <a:r>
+              <a:rPr lang="en-US" altLang="ko-KR" sz="1400" dirty="0">
+                <a:latin typeface="나눔스퀘어 Bold" panose="020B0600000101010101" pitchFamily="50" charset="-127"/>
+                <a:ea typeface="나눔스퀘어 Bold" panose="020B0600000101010101" pitchFamily="50" charset="-127"/>
+              </a:rPr>
+              <a:t>manual</a:t>
+            </a:r>
+            <a:r>
+              <a:rPr lang="ko-KR" altLang="en-US" sz="1400" dirty="0">
+                <a:latin typeface="나눔스퀘어 Bold" panose="020B0600000101010101" pitchFamily="50" charset="-127"/>
+                <a:ea typeface="나눔스퀘어 Bold" panose="020B0600000101010101" pitchFamily="50" charset="-127"/>
+              </a:rPr>
+              <a:t>한 </a:t>
+            </a:r>
+            <a:r>
+              <a:rPr lang="en-US" altLang="ko-KR" sz="1400" dirty="0">
+                <a:latin typeface="나눔스퀘어 Bold" panose="020B0600000101010101" pitchFamily="50" charset="-127"/>
+                <a:ea typeface="나눔스퀘어 Bold" panose="020B0600000101010101" pitchFamily="50" charset="-127"/>
+              </a:rPr>
+              <a:t>naïve prompt</a:t>
+            </a:r>
+            <a:r>
+              <a:rPr lang="ko-KR" altLang="en-US" sz="1400" dirty="0">
+                <a:latin typeface="나눔스퀘어 Bold" panose="020B0600000101010101" pitchFamily="50" charset="-127"/>
+                <a:ea typeface="나눔스퀘어 Bold" panose="020B0600000101010101" pitchFamily="50" charset="-127"/>
+              </a:rPr>
+              <a:t>로부터 얻은 </a:t>
+            </a:r>
+            <a:r>
+              <a:rPr lang="en-US" altLang="ko-KR" sz="1400" dirty="0" smtClean="0">
+                <a:latin typeface="나눔스퀘어 Bold" panose="020B0600000101010101" pitchFamily="50" charset="-127"/>
+                <a:ea typeface="나눔스퀘어 Bold" panose="020B0600000101010101" pitchFamily="50" charset="-127"/>
+              </a:rPr>
+              <a:t>logit</a:t>
+            </a:r>
+            <a:r>
+              <a:rPr lang="ko-KR" altLang="en-US" sz="1400" dirty="0" smtClean="0">
+                <a:latin typeface="나눔스퀘어 Bold" panose="020B0600000101010101" pitchFamily="50" charset="-127"/>
+                <a:ea typeface="나눔스퀘어 Bold" panose="020B0600000101010101" pitchFamily="50" charset="-127"/>
+              </a:rPr>
+              <a:t>을 </a:t>
+            </a:r>
+            <a:r>
+              <a:rPr lang="ko-KR" altLang="en-US" sz="1400" dirty="0">
+                <a:latin typeface="나눔스퀘어 Bold" panose="020B0600000101010101" pitchFamily="50" charset="-127"/>
+                <a:ea typeface="나눔스퀘어 Bold" panose="020B0600000101010101" pitchFamily="50" charset="-127"/>
+              </a:rPr>
+              <a:t>사용하지만</a:t>
+            </a:r>
+            <a:r>
+              <a:rPr lang="en-US" altLang="ko-KR" sz="1400" dirty="0" smtClean="0">
+                <a:latin typeface="나눔스퀘어 Bold" panose="020B0600000101010101" pitchFamily="50" charset="-127"/>
+                <a:ea typeface="나눔스퀘어 Bold" panose="020B0600000101010101" pitchFamily="50" charset="-127"/>
+              </a:rPr>
+              <a:t>,</a:t>
+            </a:r>
+          </a:p>
+          <a:p>
+            <a:pPr marL="285750" indent="-285750">
+              <a:buFont typeface="Wingdings" panose="05000000000000000000" pitchFamily="2" charset="2"/>
+              <a:buChar char="§"/>
+            </a:pPr>
+            <a:endParaRPr lang="en-US" altLang="ko-KR" sz="1400" dirty="0">
+              <a:latin typeface="나눔스퀘어 Bold" panose="020B0600000101010101" pitchFamily="50" charset="-127"/>
+              <a:ea typeface="나눔스퀘어 Bold" panose="020B0600000101010101" pitchFamily="50" charset="-127"/>
+            </a:endParaRPr>
+          </a:p>
+          <a:p>
+            <a:pPr marL="285750" indent="-285750">
+              <a:buFont typeface="Wingdings" panose="05000000000000000000" pitchFamily="2" charset="2"/>
+              <a:buChar char="§"/>
+            </a:pPr>
+            <a:r>
+              <a:rPr lang="ko-KR" altLang="en-US" sz="1400" dirty="0" smtClean="0">
+                <a:latin typeface="나눔스퀘어 Bold" panose="020B0600000101010101" pitchFamily="50" charset="-127"/>
+                <a:ea typeface="나눔스퀘어 Bold" panose="020B0600000101010101" pitchFamily="50" charset="-127"/>
+              </a:rPr>
+              <a:t>학습이 </a:t>
+            </a:r>
+            <a:r>
+              <a:rPr lang="ko-KR" altLang="en-US" sz="1400" dirty="0">
+                <a:latin typeface="나눔스퀘어 Bold" panose="020B0600000101010101" pitchFamily="50" charset="-127"/>
+                <a:ea typeface="나눔스퀘어 Bold" panose="020B0600000101010101" pitchFamily="50" charset="-127"/>
+              </a:rPr>
+              <a:t>진행될수록 </a:t>
+            </a:r>
+            <a:r>
+              <a:rPr lang="en-US" altLang="ko-KR" sz="1400" dirty="0">
+                <a:latin typeface="나눔스퀘어 Bold" panose="020B0600000101010101" pitchFamily="50" charset="-127"/>
+                <a:ea typeface="나눔스퀘어 Bold" panose="020B0600000101010101" pitchFamily="50" charset="-127"/>
+              </a:rPr>
+              <a:t>learned prompt</a:t>
+            </a:r>
+            <a:r>
+              <a:rPr lang="ko-KR" altLang="en-US" sz="1400" dirty="0">
+                <a:latin typeface="나눔스퀘어 Bold" panose="020B0600000101010101" pitchFamily="50" charset="-127"/>
+                <a:ea typeface="나눔스퀘어 Bold" panose="020B0600000101010101" pitchFamily="50" charset="-127"/>
+              </a:rPr>
+              <a:t>로 얻은 </a:t>
+            </a:r>
+            <a:r>
+              <a:rPr lang="en-US" altLang="ko-KR" sz="1400" dirty="0">
+                <a:latin typeface="나눔스퀘어 Bold" panose="020B0600000101010101" pitchFamily="50" charset="-127"/>
+                <a:ea typeface="나눔스퀘어 Bold" panose="020B0600000101010101" pitchFamily="50" charset="-127"/>
+              </a:rPr>
+              <a:t>logit</a:t>
+            </a:r>
+            <a:r>
+              <a:rPr lang="ko-KR" altLang="en-US" sz="1400" dirty="0">
+                <a:latin typeface="나눔스퀘어 Bold" panose="020B0600000101010101" pitchFamily="50" charset="-127"/>
+                <a:ea typeface="나눔스퀘어 Bold" panose="020B0600000101010101" pitchFamily="50" charset="-127"/>
+              </a:rPr>
+              <a:t>의 </a:t>
+            </a:r>
+            <a:r>
+              <a:rPr lang="en-US" altLang="ko-KR" sz="1400" dirty="0" smtClean="0">
+                <a:latin typeface="나눔스퀘어 Bold" panose="020B0600000101010101" pitchFamily="50" charset="-127"/>
+                <a:ea typeface="나눔스퀘어 Bold" panose="020B0600000101010101" pitchFamily="50" charset="-127"/>
+              </a:rPr>
+              <a:t>weight  (</a:t>
+            </a:r>
+            <a:r>
+              <a:rPr lang="en-US" altLang="ko-KR" sz="1400" dirty="0" err="1" smtClean="0">
+                <a:latin typeface="나눔스퀘어 Bold" panose="020B0600000101010101" pitchFamily="50" charset="-127"/>
+                <a:ea typeface="나눔스퀘어 Bold" panose="020B0600000101010101" pitchFamily="50" charset="-127"/>
+              </a:rPr>
+              <a:t>mix_lambda</a:t>
+            </a:r>
+            <a:r>
+              <a:rPr lang="en-US" altLang="ko-KR" sz="1400" dirty="0" smtClean="0">
+                <a:latin typeface="나눔스퀘어 Bold" panose="020B0600000101010101" pitchFamily="50" charset="-127"/>
+                <a:ea typeface="나눔스퀘어 Bold" panose="020B0600000101010101" pitchFamily="50" charset="-127"/>
+              </a:rPr>
+              <a:t>)</a:t>
+            </a:r>
+            <a:r>
+              <a:rPr lang="ko-KR" altLang="en-US" sz="1400" dirty="0" smtClean="0">
+                <a:latin typeface="나눔스퀘어 Bold" panose="020B0600000101010101" pitchFamily="50" charset="-127"/>
+                <a:ea typeface="나눔스퀘어 Bold" panose="020B0600000101010101" pitchFamily="50" charset="-127"/>
+              </a:rPr>
+              <a:t>를 </a:t>
+            </a:r>
+            <a:r>
+              <a:rPr lang="ko-KR" altLang="en-US" sz="1400" dirty="0">
+                <a:latin typeface="나눔스퀘어 Bold" panose="020B0600000101010101" pitchFamily="50" charset="-127"/>
+                <a:ea typeface="나눔스퀘어 Bold" panose="020B0600000101010101" pitchFamily="50" charset="-127"/>
+              </a:rPr>
+              <a:t>점점 늘리는 </a:t>
+            </a:r>
+            <a:r>
+              <a:rPr lang="en-US" altLang="ko-KR" sz="1400" dirty="0">
+                <a:latin typeface="나눔스퀘어 Bold" panose="020B0600000101010101" pitchFamily="50" charset="-127"/>
+                <a:ea typeface="나눔스퀘어 Bold" panose="020B0600000101010101" pitchFamily="50" charset="-127"/>
+              </a:rPr>
+              <a:t>ensemble </a:t>
+            </a:r>
+            <a:r>
+              <a:rPr lang="ko-KR" altLang="en-US" sz="1400" dirty="0">
+                <a:latin typeface="나눔스퀘어 Bold" panose="020B0600000101010101" pitchFamily="50" charset="-127"/>
+                <a:ea typeface="나눔스퀘어 Bold" panose="020B0600000101010101" pitchFamily="50" charset="-127"/>
+              </a:rPr>
+              <a:t>방식을 </a:t>
+            </a:r>
+            <a:r>
+              <a:rPr lang="ko-KR" altLang="en-US" sz="1400" dirty="0" smtClean="0">
+                <a:latin typeface="나눔스퀘어 Bold" panose="020B0600000101010101" pitchFamily="50" charset="-127"/>
+                <a:ea typeface="나눔스퀘어 Bold" panose="020B0600000101010101" pitchFamily="50" charset="-127"/>
+              </a:rPr>
+              <a:t>활용함</a:t>
+            </a:r>
+            <a:endParaRPr lang="en-US" altLang="ko-KR" sz="1400" dirty="0" smtClean="0">
+              <a:latin typeface="나눔스퀘어 Bold" panose="020B0600000101010101" pitchFamily="50" charset="-127"/>
+              <a:ea typeface="나눔스퀘어 Bold" panose="020B0600000101010101" pitchFamily="50" charset="-127"/>
+            </a:endParaRPr>
+          </a:p>
+          <a:p>
+            <a:pPr marL="285750" indent="-285750">
+              <a:buFont typeface="Wingdings" panose="05000000000000000000" pitchFamily="2" charset="2"/>
+              <a:buChar char="§"/>
+            </a:pPr>
+            <a:endParaRPr lang="en-US" altLang="ko-KR" sz="1400" dirty="0">
+              <a:latin typeface="나눔스퀘어 Bold" panose="020B0600000101010101" pitchFamily="50" charset="-127"/>
+              <a:ea typeface="나눔스퀘어 Bold" panose="020B0600000101010101" pitchFamily="50" charset="-127"/>
+            </a:endParaRPr>
+          </a:p>
+          <a:p>
+            <a:pPr marL="285750" indent="-285750">
+              <a:buFont typeface="Wingdings" panose="05000000000000000000" pitchFamily="2" charset="2"/>
+              <a:buChar char="§"/>
+            </a:pPr>
+            <a:r>
+              <a:rPr lang="ko-KR" altLang="en-US" sz="1400" dirty="0">
+                <a:latin typeface="나눔스퀘어 Bold" panose="020B0600000101010101" pitchFamily="50" charset="-127"/>
+                <a:ea typeface="나눔스퀘어 Bold" panose="020B0600000101010101" pitchFamily="50" charset="-127"/>
+              </a:rPr>
+              <a:t>학습 초반에는 </a:t>
+            </a:r>
+            <a:r>
+              <a:rPr lang="en-US" altLang="ko-KR" sz="1400" dirty="0">
+                <a:latin typeface="나눔스퀘어 Bold" panose="020B0600000101010101" pitchFamily="50" charset="-127"/>
+                <a:ea typeface="나눔스퀘어 Bold" panose="020B0600000101010101" pitchFamily="50" charset="-127"/>
+              </a:rPr>
+              <a:t>source domain knowledge</a:t>
+            </a:r>
+            <a:r>
+              <a:rPr lang="ko-KR" altLang="en-US" sz="1400" dirty="0">
+                <a:latin typeface="나눔스퀘어 Bold" panose="020B0600000101010101" pitchFamily="50" charset="-127"/>
+                <a:ea typeface="나눔스퀘어 Bold" panose="020B0600000101010101" pitchFamily="50" charset="-127"/>
+              </a:rPr>
+              <a:t>가 부족해 </a:t>
+            </a:r>
+            <a:r>
+              <a:rPr lang="en-US" altLang="ko-KR" sz="1400" dirty="0">
+                <a:latin typeface="나눔스퀘어 Bold" panose="020B0600000101010101" pitchFamily="50" charset="-127"/>
+                <a:ea typeface="나눔스퀘어 Bold" panose="020B0600000101010101" pitchFamily="50" charset="-127"/>
+              </a:rPr>
+              <a:t>pseudo-label quality</a:t>
+            </a:r>
+            <a:r>
+              <a:rPr lang="ko-KR" altLang="en-US" sz="1400" dirty="0">
+                <a:latin typeface="나눔스퀘어 Bold" panose="020B0600000101010101" pitchFamily="50" charset="-127"/>
+                <a:ea typeface="나눔스퀘어 Bold" panose="020B0600000101010101" pitchFamily="50" charset="-127"/>
+              </a:rPr>
+              <a:t>가 낮기 때문에</a:t>
+            </a:r>
+            <a:r>
+              <a:rPr lang="en-US" altLang="ko-KR" sz="1400" dirty="0">
+                <a:latin typeface="나눔스퀘어 Bold" panose="020B0600000101010101" pitchFamily="50" charset="-127"/>
+                <a:ea typeface="나눔스퀘어 Bold" panose="020B0600000101010101" pitchFamily="50" charset="-127"/>
+              </a:rPr>
+              <a:t>, naïve prompt</a:t>
+            </a:r>
+            <a:r>
+              <a:rPr lang="ko-KR" altLang="en-US" sz="1400" dirty="0">
+                <a:latin typeface="나눔스퀘어 Bold" panose="020B0600000101010101" pitchFamily="50" charset="-127"/>
+                <a:ea typeface="나눔스퀘어 Bold" panose="020B0600000101010101" pitchFamily="50" charset="-127"/>
+              </a:rPr>
+              <a:t>에서 생성된 </a:t>
+            </a:r>
+            <a:r>
+              <a:rPr lang="en-US" altLang="ko-KR" sz="1400" dirty="0">
+                <a:latin typeface="나눔스퀘어 Bold" panose="020B0600000101010101" pitchFamily="50" charset="-127"/>
+                <a:ea typeface="나눔스퀘어 Bold" panose="020B0600000101010101" pitchFamily="50" charset="-127"/>
+              </a:rPr>
+              <a:t>pseudo-label</a:t>
+            </a:r>
+            <a:r>
+              <a:rPr lang="ko-KR" altLang="en-US" sz="1400" dirty="0">
+                <a:latin typeface="나눔스퀘어 Bold" panose="020B0600000101010101" pitchFamily="50" charset="-127"/>
+                <a:ea typeface="나눔스퀘어 Bold" panose="020B0600000101010101" pitchFamily="50" charset="-127"/>
+              </a:rPr>
+              <a:t>을 사용해 </a:t>
+            </a:r>
+            <a:r>
+              <a:rPr lang="en-US" altLang="ko-KR" sz="1400" dirty="0">
+                <a:latin typeface="나눔스퀘어 Bold" panose="020B0600000101010101" pitchFamily="50" charset="-127"/>
+                <a:ea typeface="나눔스퀘어 Bold" panose="020B0600000101010101" pitchFamily="50" charset="-127"/>
+              </a:rPr>
+              <a:t>pre-trained knowledge</a:t>
+            </a:r>
+            <a:r>
+              <a:rPr lang="ko-KR" altLang="en-US" sz="1400" dirty="0">
+                <a:latin typeface="나눔스퀘어 Bold" panose="020B0600000101010101" pitchFamily="50" charset="-127"/>
+                <a:ea typeface="나눔스퀘어 Bold" panose="020B0600000101010101" pitchFamily="50" charset="-127"/>
+              </a:rPr>
+              <a:t>를 활용할 수 있음</a:t>
+            </a:r>
+            <a:endParaRPr lang="en-US" altLang="ko-KR" sz="1400" dirty="0" smtClean="0">
+              <a:latin typeface="나눔스퀘어 Bold" panose="020B0600000101010101" pitchFamily="50" charset="-127"/>
+              <a:ea typeface="나눔스퀘어 Bold" panose="020B0600000101010101" pitchFamily="50" charset="-127"/>
+            </a:endParaRPr>
+          </a:p>
+        </p:txBody>
+      </p:sp>
+      <p:sp>
+        <p:nvSpPr>
+          <p:cNvPr id="7" name="TextBox 6">
+            <a:extLst>
+              <a:ext uri="{FF2B5EF4-FFF2-40B4-BE49-F238E27FC236}">
+                <a16:creationId xmlns:a16="http://schemas.microsoft.com/office/drawing/2014/main" id="{43AD0F1D-18AC-4DEA-AACB-5FB085B6C455}"/>
+              </a:ext>
+            </a:extLst>
+          </p:cNvPr>
+          <p:cNvSpPr txBox="1"/>
+          <p:nvPr/>
+        </p:nvSpPr>
+        <p:spPr>
+          <a:xfrm>
+            <a:off x="5886429" y="5330691"/>
+            <a:ext cx="6207127" cy="523220"/>
+          </a:xfrm>
+          <a:prstGeom prst="rect">
+            <a:avLst/>
+          </a:prstGeom>
+          <a:noFill/>
+        </p:spPr>
+        <p:txBody>
+          <a:bodyPr wrap="square" rtlCol="0">
+            <a:spAutoFit/>
+          </a:bodyPr>
+          <a:lstStyle/>
+          <a:p>
+            <a:pPr marL="285750" indent="-285750">
+              <a:buFont typeface="Wingdings" panose="05000000000000000000" pitchFamily="2" charset="2"/>
+              <a:buChar char="§"/>
+            </a:pPr>
+            <a:r>
+              <a:rPr lang="ko-KR" altLang="en-US" sz="1400" dirty="0">
+                <a:latin typeface="나눔스퀘어 Bold" panose="020B0600000101010101" pitchFamily="50" charset="-127"/>
+                <a:ea typeface="나눔스퀘어 Bold" panose="020B0600000101010101" pitchFamily="50" charset="-127"/>
+              </a:rPr>
+              <a:t>최종적으로</a:t>
+            </a:r>
+            <a:r>
+              <a:rPr lang="en-US" altLang="ko-KR" sz="1400" dirty="0">
+                <a:latin typeface="나눔스퀘어 Bold" panose="020B0600000101010101" pitchFamily="50" charset="-127"/>
+                <a:ea typeface="나눔스퀘어 Bold" panose="020B0600000101010101" pitchFamily="50" charset="-127"/>
+              </a:rPr>
+              <a:t>, pseudo-label</a:t>
+            </a:r>
+            <a:r>
+              <a:rPr lang="ko-KR" altLang="en-US" sz="1400" dirty="0">
+                <a:latin typeface="나눔스퀘어 Bold" panose="020B0600000101010101" pitchFamily="50" charset="-127"/>
+                <a:ea typeface="나눔스퀘어 Bold" panose="020B0600000101010101" pitchFamily="50" charset="-127"/>
+              </a:rPr>
+              <a:t>의 </a:t>
+            </a:r>
+            <a:r>
+              <a:rPr lang="en-US" altLang="ko-KR" sz="1400" dirty="0">
+                <a:latin typeface="나눔스퀘어 Bold" panose="020B0600000101010101" pitchFamily="50" charset="-127"/>
+                <a:ea typeface="나눔스퀘어 Bold" panose="020B0600000101010101" pitchFamily="50" charset="-127"/>
+              </a:rPr>
+              <a:t>maximum probability threshold</a:t>
+            </a:r>
+            <a:r>
+              <a:rPr lang="ko-KR" altLang="en-US" sz="1400" dirty="0">
+                <a:latin typeface="나눔스퀘어 Bold" panose="020B0600000101010101" pitchFamily="50" charset="-127"/>
+                <a:ea typeface="나눔스퀘어 Bold" panose="020B0600000101010101" pitchFamily="50" charset="-127"/>
+              </a:rPr>
+              <a:t>를 기준으로 한 </a:t>
+            </a:r>
+            <a:r>
+              <a:rPr lang="en-US" altLang="ko-KR" sz="1400" dirty="0">
+                <a:latin typeface="나눔스퀘어 Bold" panose="020B0600000101010101" pitchFamily="50" charset="-127"/>
+                <a:ea typeface="나눔스퀘어 Bold" panose="020B0600000101010101" pitchFamily="50" charset="-127"/>
+              </a:rPr>
+              <a:t>mask</a:t>
+            </a:r>
+            <a:r>
+              <a:rPr lang="ko-KR" altLang="en-US" sz="1400" dirty="0">
+                <a:latin typeface="나눔스퀘어 Bold" panose="020B0600000101010101" pitchFamily="50" charset="-127"/>
+                <a:ea typeface="나눔스퀘어 Bold" panose="020B0600000101010101" pitchFamily="50" charset="-127"/>
+              </a:rPr>
+              <a:t>를 적용해 </a:t>
+            </a:r>
+            <a:r>
+              <a:rPr lang="en-US" altLang="ko-KR" sz="1400" dirty="0">
+                <a:latin typeface="나눔스퀘어 Bold" panose="020B0600000101010101" pitchFamily="50" charset="-127"/>
+                <a:ea typeface="나눔스퀘어 Bold" panose="020B0600000101010101" pitchFamily="50" charset="-127"/>
+              </a:rPr>
+              <a:t>target domain loss</a:t>
+            </a:r>
+            <a:r>
+              <a:rPr lang="ko-KR" altLang="en-US" sz="1400" dirty="0">
+                <a:latin typeface="나눔스퀘어 Bold" panose="020B0600000101010101" pitchFamily="50" charset="-127"/>
+                <a:ea typeface="나눔스퀘어 Bold" panose="020B0600000101010101" pitchFamily="50" charset="-127"/>
+              </a:rPr>
+              <a:t>를 계산할 수 있음</a:t>
+            </a:r>
+            <a:endParaRPr lang="en-US" altLang="ko-KR" sz="1400" dirty="0">
+              <a:latin typeface="나눔스퀘어 Bold" panose="020B0600000101010101" pitchFamily="50" charset="-127"/>
+              <a:ea typeface="나눔스퀘어 Bold" panose="020B0600000101010101" pitchFamily="50" charset="-127"/>
+            </a:endParaRPr>
+          </a:p>
+        </p:txBody>
+      </p:sp>
+      <p:grpSp>
+        <p:nvGrpSpPr>
+          <p:cNvPr id="9" name="그룹 8"/>
+          <p:cNvGrpSpPr/>
+          <p:nvPr/>
+        </p:nvGrpSpPr>
+        <p:grpSpPr>
+          <a:xfrm>
+            <a:off x="0" y="739949"/>
+            <a:ext cx="5886430" cy="2808252"/>
+            <a:chOff x="0" y="739949"/>
+            <a:chExt cx="5886430" cy="2808252"/>
+          </a:xfrm>
+        </p:grpSpPr>
+        <p:pic>
+          <p:nvPicPr>
+            <p:cNvPr id="2" name="그림 1"/>
+            <p:cNvPicPr>
+              <a:picLocks noChangeAspect="1"/>
+            </p:cNvPicPr>
+            <p:nvPr/>
+          </p:nvPicPr>
+          <p:blipFill>
+            <a:blip r:embed="rId2"/>
+            <a:stretch>
+              <a:fillRect/>
+            </a:stretch>
+          </p:blipFill>
+          <p:spPr>
+            <a:xfrm>
+              <a:off x="112734" y="2683049"/>
+              <a:ext cx="5138226" cy="581001"/>
+            </a:xfrm>
+            <a:prstGeom prst="rect">
+              <a:avLst/>
+            </a:prstGeom>
+          </p:spPr>
+        </p:pic>
+        <p:pic>
+          <p:nvPicPr>
+            <p:cNvPr id="5" name="그림 4"/>
+            <p:cNvPicPr>
+              <a:picLocks noChangeAspect="1"/>
+            </p:cNvPicPr>
+            <p:nvPr/>
+          </p:nvPicPr>
+          <p:blipFill>
+            <a:blip r:embed="rId3"/>
+            <a:stretch>
+              <a:fillRect/>
+            </a:stretch>
+          </p:blipFill>
+          <p:spPr>
+            <a:xfrm>
+              <a:off x="112734" y="3292649"/>
+              <a:ext cx="5773696" cy="226953"/>
+            </a:xfrm>
+            <a:prstGeom prst="rect">
+              <a:avLst/>
+            </a:prstGeom>
+          </p:spPr>
+        </p:pic>
+        <p:pic>
+          <p:nvPicPr>
+            <p:cNvPr id="6" name="그림 5"/>
+            <p:cNvPicPr>
+              <a:picLocks noChangeAspect="1"/>
+            </p:cNvPicPr>
+            <p:nvPr/>
+          </p:nvPicPr>
+          <p:blipFill>
+            <a:blip r:embed="rId4"/>
+            <a:stretch>
+              <a:fillRect/>
+            </a:stretch>
+          </p:blipFill>
+          <p:spPr>
+            <a:xfrm>
+              <a:off x="0" y="739949"/>
+              <a:ext cx="4933950" cy="1943100"/>
+            </a:xfrm>
+            <a:prstGeom prst="rect">
+              <a:avLst/>
+            </a:prstGeom>
+          </p:spPr>
+        </p:pic>
+        <p:sp>
+          <p:nvSpPr>
+            <p:cNvPr id="8" name="직사각형 7"/>
+            <p:cNvSpPr/>
+            <p:nvPr/>
+          </p:nvSpPr>
+          <p:spPr>
+            <a:xfrm>
+              <a:off x="0" y="3056351"/>
+              <a:ext cx="5886430" cy="491850"/>
+            </a:xfrm>
+            <a:prstGeom prst="rect">
+              <a:avLst/>
+            </a:prstGeom>
+            <a:noFill/>
+            <a:ln w="38100">
+              <a:solidFill>
+                <a:srgbClr val="FF0000"/>
+              </a:solidFill>
+            </a:ln>
+          </p:spPr>
+          <p:style>
+            <a:lnRef idx="2">
+              <a:schemeClr val="accent1">
+                <a:shade val="50000"/>
+              </a:schemeClr>
+            </a:lnRef>
+            <a:fillRef idx="1">
+              <a:schemeClr val="accent1"/>
+            </a:fillRef>
+            <a:effectRef idx="0">
+              <a:schemeClr val="accent1"/>
+            </a:effectRef>
+            <a:fontRef idx="minor">
+              <a:schemeClr val="lt1"/>
+            </a:fontRef>
+          </p:style>
+          <p:txBody>
+            <a:bodyPr rtlCol="0" anchor="ctr"/>
+            <a:lstStyle/>
+            <a:p>
+              <a:pPr algn="ctr"/>
+              <a:endParaRPr lang="ko-KR" altLang="en-US"/>
+            </a:p>
+          </p:txBody>
+        </p:sp>
+      </p:grpSp>
+      <p:pic>
+        <p:nvPicPr>
+          <p:cNvPr id="11" name="그림 10"/>
+          <p:cNvPicPr>
+            <a:picLocks noChangeAspect="1"/>
+          </p:cNvPicPr>
+          <p:nvPr/>
+        </p:nvPicPr>
+        <p:blipFill>
+          <a:blip r:embed="rId5"/>
+          <a:stretch>
+            <a:fillRect/>
+          </a:stretch>
+        </p:blipFill>
+        <p:spPr>
+          <a:xfrm>
+            <a:off x="0" y="5263959"/>
+            <a:ext cx="3429000" cy="809625"/>
+          </a:xfrm>
+          <a:prstGeom prst="rect">
+            <a:avLst/>
+          </a:prstGeom>
+        </p:spPr>
+      </p:pic>
+      <p:pic>
+        <p:nvPicPr>
+          <p:cNvPr id="13" name="그림 12"/>
+          <p:cNvPicPr>
+            <a:picLocks noChangeAspect="1"/>
+          </p:cNvPicPr>
+          <p:nvPr/>
+        </p:nvPicPr>
+        <p:blipFill>
+          <a:blip r:embed="rId6"/>
+          <a:stretch>
+            <a:fillRect/>
+          </a:stretch>
+        </p:blipFill>
+        <p:spPr>
+          <a:xfrm>
+            <a:off x="0" y="6293257"/>
+            <a:ext cx="9699830" cy="445746"/>
+          </a:xfrm>
+          <a:prstGeom prst="rect">
+            <a:avLst/>
+          </a:prstGeom>
+        </p:spPr>
+      </p:pic>
+      <p:pic>
+        <p:nvPicPr>
+          <p:cNvPr id="14" name="그림 13"/>
+          <p:cNvPicPr>
+            <a:picLocks noChangeAspect="1"/>
+          </p:cNvPicPr>
+          <p:nvPr/>
+        </p:nvPicPr>
+        <p:blipFill>
+          <a:blip r:embed="rId7"/>
+          <a:stretch>
+            <a:fillRect/>
+          </a:stretch>
+        </p:blipFill>
+        <p:spPr>
+          <a:xfrm>
+            <a:off x="0" y="3637352"/>
+            <a:ext cx="2718148" cy="565626"/>
+          </a:xfrm>
+          <a:prstGeom prst="rect">
+            <a:avLst/>
+          </a:prstGeom>
+        </p:spPr>
+      </p:pic>
+    </p:spTree>
+    <p:extLst>
+      <p:ext uri="{BB962C8B-B14F-4D97-AF65-F5344CB8AC3E}">
+        <p14:creationId xmlns:p14="http://schemas.microsoft.com/office/powerpoint/2010/main" val="1327023515"/>
+      </p:ext>
+    </p:extLst>
+  </p:cSld>
+  <p:clrMapOvr>
+    <a:masterClrMapping/>
+  </p:clrMapOvr>
+  <p:timing>
+    <p:tnLst>
+      <p:par>
+        <p:cTn id="1" dur="indefinite" restart="never" nodeType="tmRoot"/>
+      </p:par>
+    </p:tnLst>
+  </p:timing>
+</p:sld>
+</file>
+
+<file path=ppt/slides/slide21.xml><?xml version="1.0" encoding="utf-8"?>
+<p:sld xmlns:a="http://schemas.openxmlformats.org/drawingml/2006/main" xmlns:r="http://schemas.openxmlformats.org/officeDocument/2006/relationships" xmlns:p="http://schemas.openxmlformats.org/presentationml/2006/main">
+  <p:cSld>
+    <p:spTree>
+      <p:nvGrpSpPr>
+        <p:cNvPr id="1" name=""/>
+        <p:cNvGrpSpPr/>
+        <p:nvPr/>
+      </p:nvGrpSpPr>
+      <p:grpSpPr>
+        <a:xfrm>
+          <a:off x="0" y="0"/>
+          <a:ext cx="0" cy="0"/>
+          <a:chOff x="0" y="0"/>
+          <a:chExt cx="0" cy="0"/>
+        </a:xfrm>
+      </p:grpSpPr>
+      <p:sp>
+        <p:nvSpPr>
+          <p:cNvPr id="12" name="TextBox 11">
+            <a:extLst>
+              <a:ext uri="{FF2B5EF4-FFF2-40B4-BE49-F238E27FC236}">
+                <a16:creationId xmlns:a16="http://schemas.microsoft.com/office/drawing/2014/main" id="{C7D7709E-206F-4B6B-9ABA-DCEDF98FB299}"/>
+              </a:ext>
+            </a:extLst>
+          </p:cNvPr>
+          <p:cNvSpPr txBox="1"/>
+          <p:nvPr/>
+        </p:nvSpPr>
+        <p:spPr>
+          <a:xfrm>
+            <a:off x="1204240" y="0"/>
+            <a:ext cx="9783520" cy="584775"/>
+          </a:xfrm>
+          <a:prstGeom prst="rect">
+            <a:avLst/>
+          </a:prstGeom>
+          <a:noFill/>
+        </p:spPr>
+        <p:txBody>
+          <a:bodyPr wrap="square" rtlCol="0">
+            <a:spAutoFit/>
+          </a:bodyPr>
+          <a:lstStyle/>
+          <a:p>
+            <a:pPr algn="ctr"/>
+            <a:r>
+              <a:rPr lang="en-US" altLang="ko-KR" sz="3200" dirty="0" smtClean="0">
+                <a:solidFill>
+                  <a:srgbClr val="212529"/>
+                </a:solidFill>
+                <a:latin typeface="나눔스퀘어 Bold" panose="020B0600000101010101" pitchFamily="50" charset="-127"/>
+                <a:ea typeface="나눔스퀘어 Bold" panose="020B0600000101010101" pitchFamily="50" charset="-127"/>
+              </a:rPr>
+              <a:t>Code</a:t>
+            </a:r>
+            <a:endParaRPr lang="en-US" altLang="ko-KR" sz="3200" dirty="0">
+              <a:solidFill>
+                <a:srgbClr val="212529"/>
+              </a:solidFill>
+              <a:latin typeface="나눔스퀘어 Bold" panose="020B0600000101010101" pitchFamily="50" charset="-127"/>
+              <a:ea typeface="나눔스퀘어 Bold" panose="020B0600000101010101" pitchFamily="50" charset="-127"/>
+            </a:endParaRPr>
+          </a:p>
+        </p:txBody>
+      </p:sp>
+      <p:sp>
+        <p:nvSpPr>
+          <p:cNvPr id="10" name="TextBox 9">
+            <a:extLst>
+              <a:ext uri="{FF2B5EF4-FFF2-40B4-BE49-F238E27FC236}">
+                <a16:creationId xmlns:a16="http://schemas.microsoft.com/office/drawing/2014/main" id="{9922EEF6-C41D-4EED-AAFA-E7D60D60CE65}"/>
+              </a:ext>
+            </a:extLst>
+          </p:cNvPr>
+          <p:cNvSpPr txBox="1"/>
+          <p:nvPr/>
+        </p:nvSpPr>
+        <p:spPr>
+          <a:xfrm>
+            <a:off x="5886430" y="1418247"/>
+            <a:ext cx="6207127" cy="1169551"/>
+          </a:xfrm>
+          <a:prstGeom prst="rect">
+            <a:avLst/>
+          </a:prstGeom>
+          <a:noFill/>
+        </p:spPr>
+        <p:txBody>
+          <a:bodyPr wrap="square" rtlCol="0">
+            <a:spAutoFit/>
+          </a:bodyPr>
+          <a:lstStyle/>
+          <a:p>
+            <a:pPr marL="285750" indent="-285750">
+              <a:buFont typeface="Wingdings" panose="05000000000000000000" pitchFamily="2" charset="2"/>
+              <a:buChar char="§"/>
+            </a:pPr>
+            <a:r>
+              <a:rPr lang="ko-KR" altLang="en-US" sz="1400" dirty="0">
+                <a:latin typeface="나눔스퀘어 Bold" panose="020B0600000101010101" pitchFamily="50" charset="-127"/>
+                <a:ea typeface="나눔스퀘어 Bold" panose="020B0600000101010101" pitchFamily="50" charset="-127"/>
+              </a:rPr>
+              <a:t>각 </a:t>
+            </a:r>
+            <a:r>
+              <a:rPr lang="en-US" altLang="ko-KR" sz="1400" dirty="0">
+                <a:latin typeface="나눔스퀘어 Bold" panose="020B0600000101010101" pitchFamily="50" charset="-127"/>
+                <a:ea typeface="나눔스퀘어 Bold" panose="020B0600000101010101" pitchFamily="50" charset="-127"/>
+              </a:rPr>
+              <a:t>sample </a:t>
+            </a:r>
+            <a:r>
+              <a:rPr lang="ko-KR" altLang="en-US" sz="1400" dirty="0">
+                <a:latin typeface="나눔스퀘어 Bold" panose="020B0600000101010101" pitchFamily="50" charset="-127"/>
+                <a:ea typeface="나눔스퀘어 Bold" panose="020B0600000101010101" pitchFamily="50" charset="-127"/>
+              </a:rPr>
+              <a:t>간 </a:t>
+            </a:r>
+            <a:r>
+              <a:rPr lang="en-US" altLang="ko-KR" sz="1400" dirty="0">
+                <a:latin typeface="나눔스퀘어 Bold" panose="020B0600000101010101" pitchFamily="50" charset="-127"/>
+                <a:ea typeface="나눔스퀘어 Bold" panose="020B0600000101010101" pitchFamily="50" charset="-127"/>
+              </a:rPr>
+              <a:t>text embedding </a:t>
+            </a:r>
+            <a:r>
+              <a:rPr lang="ko-KR" altLang="en-US" sz="1400" dirty="0">
+                <a:latin typeface="나눔스퀘어 Bold" panose="020B0600000101010101" pitchFamily="50" charset="-127"/>
+                <a:ea typeface="나눔스퀘어 Bold" panose="020B0600000101010101" pitchFamily="50" charset="-127"/>
+              </a:rPr>
+              <a:t>거리를 멀어지게 하는 </a:t>
+            </a:r>
+            <a:r>
+              <a:rPr lang="en-US" altLang="ko-KR" sz="1400" dirty="0">
+                <a:latin typeface="나눔스퀘어 Bold" panose="020B0600000101010101" pitchFamily="50" charset="-127"/>
+                <a:ea typeface="나눔스퀘어 Bold" panose="020B0600000101010101" pitchFamily="50" charset="-127"/>
+              </a:rPr>
+              <a:t>IDCL loss</a:t>
+            </a:r>
+            <a:r>
+              <a:rPr lang="ko-KR" altLang="en-US" sz="1400" dirty="0">
+                <a:latin typeface="나눔스퀘어 Bold" panose="020B0600000101010101" pitchFamily="50" charset="-127"/>
+                <a:ea typeface="나눔스퀘어 Bold" panose="020B0600000101010101" pitchFamily="50" charset="-127"/>
+              </a:rPr>
+              <a:t>를 계산하기 위해</a:t>
+            </a:r>
+            <a:r>
+              <a:rPr lang="en-US" altLang="ko-KR" sz="1400" dirty="0">
+                <a:latin typeface="나눔스퀘어 Bold" panose="020B0600000101010101" pitchFamily="50" charset="-127"/>
+                <a:ea typeface="나눔스퀘어 Bold" panose="020B0600000101010101" pitchFamily="50" charset="-127"/>
+              </a:rPr>
+              <a:t>, (B,B) </a:t>
+            </a:r>
+            <a:r>
+              <a:rPr lang="ko-KR" altLang="en-US" sz="1400" dirty="0">
+                <a:latin typeface="나눔스퀘어 Bold" panose="020B0600000101010101" pitchFamily="50" charset="-127"/>
+                <a:ea typeface="나눔스퀘어 Bold" panose="020B0600000101010101" pitchFamily="50" charset="-127"/>
+              </a:rPr>
+              <a:t>크기의 </a:t>
+            </a:r>
+            <a:r>
+              <a:rPr lang="en-US" altLang="ko-KR" sz="1400" dirty="0">
+                <a:latin typeface="나눔스퀘어 Bold" panose="020B0600000101010101" pitchFamily="50" charset="-127"/>
+                <a:ea typeface="나눔스퀘어 Bold" panose="020B0600000101010101" pitchFamily="50" charset="-127"/>
+              </a:rPr>
+              <a:t>matrix</a:t>
+            </a:r>
+            <a:r>
+              <a:rPr lang="ko-KR" altLang="en-US" sz="1400" dirty="0">
+                <a:latin typeface="나눔스퀘어 Bold" panose="020B0600000101010101" pitchFamily="50" charset="-127"/>
+                <a:ea typeface="나눔스퀘어 Bold" panose="020B0600000101010101" pitchFamily="50" charset="-127"/>
+              </a:rPr>
+              <a:t>를 얻게 </a:t>
+            </a:r>
+            <a:r>
+              <a:rPr lang="ko-KR" altLang="en-US" sz="1400" dirty="0" smtClean="0">
+                <a:latin typeface="나눔스퀘어 Bold" panose="020B0600000101010101" pitchFamily="50" charset="-127"/>
+                <a:ea typeface="나눔스퀘어 Bold" panose="020B0600000101010101" pitchFamily="50" charset="-127"/>
+              </a:rPr>
+              <a:t>됨</a:t>
+            </a:r>
+            <a:endParaRPr lang="en-US" altLang="ko-KR" sz="1400" dirty="0" smtClean="0">
+              <a:latin typeface="나눔스퀘어 Bold" panose="020B0600000101010101" pitchFamily="50" charset="-127"/>
+              <a:ea typeface="나눔스퀘어 Bold" panose="020B0600000101010101" pitchFamily="50" charset="-127"/>
+            </a:endParaRPr>
+          </a:p>
+          <a:p>
+            <a:pPr marL="285750" indent="-285750">
+              <a:buFont typeface="Wingdings" panose="05000000000000000000" pitchFamily="2" charset="2"/>
+              <a:buChar char="§"/>
+            </a:pPr>
+            <a:endParaRPr lang="en-US" altLang="ko-KR" sz="1400" dirty="0">
+              <a:latin typeface="나눔스퀘어 Bold" panose="020B0600000101010101" pitchFamily="50" charset="-127"/>
+              <a:ea typeface="나눔스퀘어 Bold" panose="020B0600000101010101" pitchFamily="50" charset="-127"/>
+            </a:endParaRPr>
+          </a:p>
+          <a:p>
+            <a:pPr marL="285750" indent="-285750">
+              <a:buFont typeface="Wingdings" panose="05000000000000000000" pitchFamily="2" charset="2"/>
+              <a:buChar char="§"/>
+            </a:pPr>
+            <a:r>
+              <a:rPr lang="en-US" altLang="ko-KR" sz="1400" dirty="0">
+                <a:latin typeface="나눔스퀘어 Bold" panose="020B0600000101010101" pitchFamily="50" charset="-127"/>
+                <a:ea typeface="나눔스퀘어 Bold" panose="020B0600000101010101" pitchFamily="50" charset="-127"/>
+              </a:rPr>
+              <a:t>matrix</a:t>
+            </a:r>
+            <a:r>
+              <a:rPr lang="ko-KR" altLang="en-US" sz="1400" dirty="0">
+                <a:latin typeface="나눔스퀘어 Bold" panose="020B0600000101010101" pitchFamily="50" charset="-127"/>
+                <a:ea typeface="나눔스퀘어 Bold" panose="020B0600000101010101" pitchFamily="50" charset="-127"/>
+              </a:rPr>
+              <a:t>의 </a:t>
+            </a:r>
+            <a:r>
+              <a:rPr lang="en-US" altLang="ko-KR" sz="1400" dirty="0" err="1" smtClean="0">
+                <a:latin typeface="나눔스퀘어 Bold" panose="020B0600000101010101" pitchFamily="50" charset="-127"/>
+                <a:ea typeface="나눔스퀘어 Bold" panose="020B0600000101010101" pitchFamily="50" charset="-127"/>
+              </a:rPr>
+              <a:t>i,j</a:t>
+            </a:r>
+            <a:r>
+              <a:rPr lang="en-US" altLang="ko-KR" sz="1400" dirty="0" smtClean="0">
+                <a:latin typeface="나눔스퀘어 Bold" panose="020B0600000101010101" pitchFamily="50" charset="-127"/>
+                <a:ea typeface="나눔스퀘어 Bold" panose="020B0600000101010101" pitchFamily="50" charset="-127"/>
+              </a:rPr>
+              <a:t> element</a:t>
+            </a:r>
+            <a:r>
+              <a:rPr lang="ko-KR" altLang="en-US" sz="1400" dirty="0" smtClean="0">
+                <a:latin typeface="나눔스퀘어 Bold" panose="020B0600000101010101" pitchFamily="50" charset="-127"/>
+                <a:ea typeface="나눔스퀘어 Bold" panose="020B0600000101010101" pitchFamily="50" charset="-127"/>
+              </a:rPr>
+              <a:t>는 </a:t>
+            </a:r>
+            <a:r>
+              <a:rPr lang="en-US" altLang="ko-KR" sz="1400" dirty="0" err="1">
+                <a:latin typeface="나눔스퀘어 Bold" panose="020B0600000101010101" pitchFamily="50" charset="-127"/>
+                <a:ea typeface="나눔스퀘어 Bold" panose="020B0600000101010101" pitchFamily="50" charset="-127"/>
+              </a:rPr>
+              <a:t>i</a:t>
+            </a:r>
+            <a:r>
+              <a:rPr lang="ko-KR" altLang="en-US" sz="1400" dirty="0">
+                <a:latin typeface="나눔스퀘어 Bold" panose="020B0600000101010101" pitchFamily="50" charset="-127"/>
+                <a:ea typeface="나눔스퀘어 Bold" panose="020B0600000101010101" pitchFamily="50" charset="-127"/>
+              </a:rPr>
+              <a:t>번째 </a:t>
+            </a:r>
+            <a:r>
+              <a:rPr lang="en-US" altLang="ko-KR" sz="1400" dirty="0">
+                <a:latin typeface="나눔스퀘어 Bold" panose="020B0600000101010101" pitchFamily="50" charset="-127"/>
+                <a:ea typeface="나눔스퀘어 Bold" panose="020B0600000101010101" pitchFamily="50" charset="-127"/>
+              </a:rPr>
+              <a:t>sample</a:t>
+            </a:r>
+            <a:r>
+              <a:rPr lang="ko-KR" altLang="en-US" sz="1400" dirty="0">
+                <a:latin typeface="나눔스퀘어 Bold" panose="020B0600000101010101" pitchFamily="50" charset="-127"/>
+                <a:ea typeface="나눔스퀘어 Bold" panose="020B0600000101010101" pitchFamily="50" charset="-127"/>
+              </a:rPr>
+              <a:t>의 </a:t>
+            </a:r>
+            <a:r>
+              <a:rPr lang="en-US" altLang="ko-KR" sz="1400" dirty="0">
+                <a:latin typeface="나눔스퀘어 Bold" panose="020B0600000101010101" pitchFamily="50" charset="-127"/>
+                <a:ea typeface="나눔스퀘어 Bold" panose="020B0600000101010101" pitchFamily="50" charset="-127"/>
+              </a:rPr>
+              <a:t>visual embedding</a:t>
+            </a:r>
+            <a:r>
+              <a:rPr lang="ko-KR" altLang="en-US" sz="1400" dirty="0">
+                <a:latin typeface="나눔스퀘어 Bold" panose="020B0600000101010101" pitchFamily="50" charset="-127"/>
+                <a:ea typeface="나눔스퀘어 Bold" panose="020B0600000101010101" pitchFamily="50" charset="-127"/>
+              </a:rPr>
+              <a:t>과 </a:t>
+            </a:r>
+            <a:r>
+              <a:rPr lang="en-US" altLang="ko-KR" sz="1400" dirty="0">
+                <a:latin typeface="나눔스퀘어 Bold" panose="020B0600000101010101" pitchFamily="50" charset="-127"/>
+                <a:ea typeface="나눔스퀘어 Bold" panose="020B0600000101010101" pitchFamily="50" charset="-127"/>
+              </a:rPr>
+              <a:t>j</a:t>
+            </a:r>
+            <a:r>
+              <a:rPr lang="ko-KR" altLang="en-US" sz="1400" dirty="0">
+                <a:latin typeface="나눔스퀘어 Bold" panose="020B0600000101010101" pitchFamily="50" charset="-127"/>
+                <a:ea typeface="나눔스퀘어 Bold" panose="020B0600000101010101" pitchFamily="50" charset="-127"/>
+              </a:rPr>
+              <a:t>번째 </a:t>
+            </a:r>
+            <a:r>
+              <a:rPr lang="en-US" altLang="ko-KR" sz="1400" dirty="0">
+                <a:latin typeface="나눔스퀘어 Bold" panose="020B0600000101010101" pitchFamily="50" charset="-127"/>
+                <a:ea typeface="나눔스퀘어 Bold" panose="020B0600000101010101" pitchFamily="50" charset="-127"/>
+              </a:rPr>
+              <a:t>sample</a:t>
+            </a:r>
+            <a:r>
+              <a:rPr lang="ko-KR" altLang="en-US" sz="1400" dirty="0">
+                <a:latin typeface="나눔스퀘어 Bold" panose="020B0600000101010101" pitchFamily="50" charset="-127"/>
+                <a:ea typeface="나눔스퀘어 Bold" panose="020B0600000101010101" pitchFamily="50" charset="-127"/>
+              </a:rPr>
+              <a:t>의 </a:t>
+            </a:r>
+            <a:r>
+              <a:rPr lang="en-US" altLang="ko-KR" sz="1400" dirty="0">
+                <a:latin typeface="나눔스퀘어 Bold" panose="020B0600000101010101" pitchFamily="50" charset="-127"/>
+                <a:ea typeface="나눔스퀘어 Bold" panose="020B0600000101010101" pitchFamily="50" charset="-127"/>
+              </a:rPr>
+              <a:t>text embedding </a:t>
+            </a:r>
+            <a:r>
+              <a:rPr lang="ko-KR" altLang="en-US" sz="1400" dirty="0">
+                <a:latin typeface="나눔스퀘어 Bold" panose="020B0600000101010101" pitchFamily="50" charset="-127"/>
+                <a:ea typeface="나눔스퀘어 Bold" panose="020B0600000101010101" pitchFamily="50" charset="-127"/>
+              </a:rPr>
+              <a:t>사이의 </a:t>
+            </a:r>
+            <a:r>
+              <a:rPr lang="en-US" altLang="ko-KR" sz="1400" dirty="0">
+                <a:latin typeface="나눔스퀘어 Bold" panose="020B0600000101010101" pitchFamily="50" charset="-127"/>
+                <a:ea typeface="나눔스퀘어 Bold" panose="020B0600000101010101" pitchFamily="50" charset="-127"/>
+              </a:rPr>
+              <a:t>similarity</a:t>
+            </a:r>
+            <a:r>
+              <a:rPr lang="ko-KR" altLang="en-US" sz="1400" dirty="0">
+                <a:latin typeface="나눔스퀘어 Bold" panose="020B0600000101010101" pitchFamily="50" charset="-127"/>
+                <a:ea typeface="나눔스퀘어 Bold" panose="020B0600000101010101" pitchFamily="50" charset="-127"/>
+              </a:rPr>
+              <a:t>를 의미함</a:t>
+            </a:r>
+            <a:endParaRPr lang="en-US" altLang="ko-KR" sz="1400" dirty="0" smtClean="0">
+              <a:latin typeface="나눔스퀘어 Bold" panose="020B0600000101010101" pitchFamily="50" charset="-127"/>
+              <a:ea typeface="나눔스퀘어 Bold" panose="020B0600000101010101" pitchFamily="50" charset="-127"/>
+            </a:endParaRPr>
+          </a:p>
+        </p:txBody>
+      </p:sp>
+      <p:sp>
+        <p:nvSpPr>
+          <p:cNvPr id="7" name="TextBox 6">
+            <a:extLst>
+              <a:ext uri="{FF2B5EF4-FFF2-40B4-BE49-F238E27FC236}">
+                <a16:creationId xmlns:a16="http://schemas.microsoft.com/office/drawing/2014/main" id="{43AD0F1D-18AC-4DEA-AACB-5FB085B6C455}"/>
+              </a:ext>
+            </a:extLst>
+          </p:cNvPr>
+          <p:cNvSpPr txBox="1"/>
+          <p:nvPr/>
+        </p:nvSpPr>
+        <p:spPr>
+          <a:xfrm>
+            <a:off x="5886430" y="5833099"/>
+            <a:ext cx="6207127" cy="523220"/>
+          </a:xfrm>
+          <a:prstGeom prst="rect">
+            <a:avLst/>
+          </a:prstGeom>
+          <a:noFill/>
+        </p:spPr>
+        <p:txBody>
+          <a:bodyPr wrap="square" rtlCol="0">
+            <a:spAutoFit/>
+          </a:bodyPr>
+          <a:lstStyle/>
+          <a:p>
+            <a:pPr marL="285750" indent="-285750">
+              <a:buFont typeface="Wingdings" panose="05000000000000000000" pitchFamily="2" charset="2"/>
+              <a:buChar char="§"/>
+            </a:pPr>
+            <a:r>
+              <a:rPr lang="ko-KR" altLang="en-US" sz="1400" dirty="0">
+                <a:latin typeface="나눔스퀘어 Bold" panose="020B0600000101010101" pitchFamily="50" charset="-127"/>
+                <a:ea typeface="나눔스퀘어 Bold" panose="020B0600000101010101" pitchFamily="50" charset="-127"/>
+              </a:rPr>
+              <a:t>이를 바탕으로 </a:t>
+            </a:r>
+            <a:r>
+              <a:rPr lang="en-US" altLang="ko-KR" sz="1400" dirty="0">
+                <a:latin typeface="나눔스퀘어 Bold" panose="020B0600000101010101" pitchFamily="50" charset="-127"/>
+                <a:ea typeface="나눔스퀘어 Bold" panose="020B0600000101010101" pitchFamily="50" charset="-127"/>
+              </a:rPr>
+              <a:t>source, target domain </a:t>
+            </a:r>
+            <a:r>
+              <a:rPr lang="ko-KR" altLang="en-US" sz="1400" dirty="0">
+                <a:latin typeface="나눔스퀘어 Bold" panose="020B0600000101010101" pitchFamily="50" charset="-127"/>
+                <a:ea typeface="나눔스퀘어 Bold" panose="020B0600000101010101" pitchFamily="50" charset="-127"/>
+              </a:rPr>
+              <a:t>각각의 </a:t>
+            </a:r>
+            <a:r>
+              <a:rPr lang="en-US" altLang="ko-KR" sz="1400" dirty="0">
+                <a:latin typeface="나눔스퀘어 Bold" panose="020B0600000101010101" pitchFamily="50" charset="-127"/>
+                <a:ea typeface="나눔스퀘어 Bold" panose="020B0600000101010101" pitchFamily="50" charset="-127"/>
+              </a:rPr>
+              <a:t>contrastive loss</a:t>
+            </a:r>
+            <a:r>
+              <a:rPr lang="ko-KR" altLang="en-US" sz="1400" dirty="0">
+                <a:latin typeface="나눔스퀘어 Bold" panose="020B0600000101010101" pitchFamily="50" charset="-127"/>
+                <a:ea typeface="나눔스퀘어 Bold" panose="020B0600000101010101" pitchFamily="50" charset="-127"/>
+              </a:rPr>
+              <a:t>를 계산할 수 있음</a:t>
+            </a:r>
+            <a:endParaRPr lang="en-US" altLang="ko-KR" sz="1400" dirty="0">
+              <a:latin typeface="나눔스퀘어 Bold" panose="020B0600000101010101" pitchFamily="50" charset="-127"/>
+              <a:ea typeface="나눔스퀘어 Bold" panose="020B0600000101010101" pitchFamily="50" charset="-127"/>
+            </a:endParaRPr>
+          </a:p>
+        </p:txBody>
+      </p:sp>
+      <p:pic>
+        <p:nvPicPr>
+          <p:cNvPr id="3" name="그림 2"/>
+          <p:cNvPicPr>
+            <a:picLocks noChangeAspect="1"/>
+          </p:cNvPicPr>
+          <p:nvPr/>
+        </p:nvPicPr>
+        <p:blipFill>
+          <a:blip r:embed="rId2"/>
+          <a:stretch>
+            <a:fillRect/>
+          </a:stretch>
+        </p:blipFill>
+        <p:spPr>
+          <a:xfrm>
+            <a:off x="0" y="1493469"/>
+            <a:ext cx="5886429" cy="1094329"/>
+          </a:xfrm>
+          <a:prstGeom prst="rect">
+            <a:avLst/>
+          </a:prstGeom>
+        </p:spPr>
+      </p:pic>
+      <p:pic>
+        <p:nvPicPr>
+          <p:cNvPr id="4" name="그림 3"/>
+          <p:cNvPicPr>
+            <a:picLocks noChangeAspect="1"/>
+          </p:cNvPicPr>
+          <p:nvPr/>
+        </p:nvPicPr>
+        <p:blipFill>
+          <a:blip r:embed="rId3"/>
+          <a:stretch>
+            <a:fillRect/>
+          </a:stretch>
+        </p:blipFill>
+        <p:spPr>
+          <a:xfrm>
+            <a:off x="0" y="2721395"/>
+            <a:ext cx="3286125" cy="1038225"/>
+          </a:xfrm>
+          <a:prstGeom prst="rect">
+            <a:avLst/>
+          </a:prstGeom>
+        </p:spPr>
+      </p:pic>
+      <p:pic>
+        <p:nvPicPr>
+          <p:cNvPr id="15" name="그림 14"/>
+          <p:cNvPicPr>
+            <a:picLocks noChangeAspect="1"/>
+          </p:cNvPicPr>
+          <p:nvPr/>
+        </p:nvPicPr>
+        <p:blipFill>
+          <a:blip r:embed="rId4"/>
+          <a:stretch>
+            <a:fillRect/>
+          </a:stretch>
+        </p:blipFill>
+        <p:spPr>
+          <a:xfrm>
+            <a:off x="0" y="4417363"/>
+            <a:ext cx="7994224" cy="1043985"/>
+          </a:xfrm>
+          <a:prstGeom prst="rect">
+            <a:avLst/>
+          </a:prstGeom>
+        </p:spPr>
+      </p:pic>
+    </p:spTree>
+    <p:extLst>
+      <p:ext uri="{BB962C8B-B14F-4D97-AF65-F5344CB8AC3E}">
+        <p14:creationId xmlns:p14="http://schemas.microsoft.com/office/powerpoint/2010/main" val="2228015618"/>
+      </p:ext>
+    </p:extLst>
+  </p:cSld>
+  <p:clrMapOvr>
+    <a:masterClrMapping/>
+  </p:clrMapOvr>
+  <p:timing>
+    <p:tnLst>
+      <p:par>
+        <p:cTn id="1" dur="indefinite" restart="never" nodeType="tmRoot"/>
+      </p:par>
+    </p:tnLst>
+  </p:timing>
+</p:sld>
+</file>
+
+<file path=ppt/slides/slide22.xml><?xml version="1.0" encoding="utf-8"?>
+<p:sld xmlns:a="http://schemas.openxmlformats.org/drawingml/2006/main" xmlns:r="http://schemas.openxmlformats.org/officeDocument/2006/relationships" xmlns:p="http://schemas.openxmlformats.org/presentationml/2006/main">
+  <p:cSld>
+    <p:spTree>
+      <p:nvGrpSpPr>
+        <p:cNvPr id="1" name=""/>
+        <p:cNvGrpSpPr/>
+        <p:nvPr/>
+      </p:nvGrpSpPr>
+      <p:grpSpPr>
+        <a:xfrm>
+          <a:off x="0" y="0"/>
+          <a:ext cx="0" cy="0"/>
+          <a:chOff x="0" y="0"/>
+          <a:chExt cx="0" cy="0"/>
+        </a:xfrm>
+      </p:grpSpPr>
+      <p:sp>
+        <p:nvSpPr>
+          <p:cNvPr id="12" name="TextBox 11">
+            <a:extLst>
+              <a:ext uri="{FF2B5EF4-FFF2-40B4-BE49-F238E27FC236}">
+                <a16:creationId xmlns:a16="http://schemas.microsoft.com/office/drawing/2014/main" id="{C7D7709E-206F-4B6B-9ABA-DCEDF98FB299}"/>
+              </a:ext>
+            </a:extLst>
+          </p:cNvPr>
+          <p:cNvSpPr txBox="1"/>
+          <p:nvPr/>
+        </p:nvSpPr>
+        <p:spPr>
+          <a:xfrm>
+            <a:off x="1204240" y="0"/>
+            <a:ext cx="9783520" cy="584775"/>
+          </a:xfrm>
+          <a:prstGeom prst="rect">
+            <a:avLst/>
+          </a:prstGeom>
+          <a:noFill/>
+        </p:spPr>
+        <p:txBody>
+          <a:bodyPr wrap="square" rtlCol="0">
+            <a:spAutoFit/>
+          </a:bodyPr>
+          <a:lstStyle/>
+          <a:p>
+            <a:pPr algn="ctr"/>
+            <a:r>
+              <a:rPr lang="en-US" altLang="ko-KR" sz="3200" dirty="0" smtClean="0">
+                <a:solidFill>
+                  <a:srgbClr val="212529"/>
+                </a:solidFill>
+                <a:latin typeface="나눔스퀘어 Bold" panose="020B0600000101010101" pitchFamily="50" charset="-127"/>
+                <a:ea typeface="나눔스퀘어 Bold" panose="020B0600000101010101" pitchFamily="50" charset="-127"/>
+              </a:rPr>
+              <a:t>Limitations</a:t>
+            </a:r>
+            <a:endParaRPr lang="en-US" altLang="ko-KR" sz="3200" dirty="0">
+              <a:solidFill>
+                <a:srgbClr val="212529"/>
+              </a:solidFill>
+              <a:latin typeface="나눔스퀘어 Bold" panose="020B0600000101010101" pitchFamily="50" charset="-127"/>
+              <a:ea typeface="나눔스퀘어 Bold" panose="020B0600000101010101" pitchFamily="50" charset="-127"/>
+            </a:endParaRPr>
+          </a:p>
+        </p:txBody>
+      </p:sp>
+      <p:sp>
+        <p:nvSpPr>
+          <p:cNvPr id="10" name="TextBox 9">
+            <a:extLst>
+              <a:ext uri="{FF2B5EF4-FFF2-40B4-BE49-F238E27FC236}">
+                <a16:creationId xmlns:a16="http://schemas.microsoft.com/office/drawing/2014/main" id="{9922EEF6-C41D-4EED-AAFA-E7D60D60CE65}"/>
+              </a:ext>
+            </a:extLst>
+          </p:cNvPr>
+          <p:cNvSpPr txBox="1"/>
+          <p:nvPr/>
+        </p:nvSpPr>
+        <p:spPr>
+          <a:xfrm>
+            <a:off x="5886430" y="854576"/>
+            <a:ext cx="6207127" cy="2031325"/>
+          </a:xfrm>
+          <a:prstGeom prst="rect">
+            <a:avLst/>
+          </a:prstGeom>
+          <a:noFill/>
+        </p:spPr>
+        <p:txBody>
+          <a:bodyPr wrap="square" rtlCol="0">
+            <a:spAutoFit/>
+          </a:bodyPr>
+          <a:lstStyle/>
+          <a:p>
+            <a:r>
+              <a:rPr lang="en-US" altLang="ko-KR" sz="1400" dirty="0" smtClean="0">
+                <a:latin typeface="나눔스퀘어 Bold" panose="020B0600000101010101" pitchFamily="50" charset="-127"/>
+                <a:ea typeface="나눔스퀘어 Bold" panose="020B0600000101010101" pitchFamily="50" charset="-127"/>
+              </a:rPr>
+              <a:t>(1)</a:t>
+            </a:r>
+          </a:p>
+          <a:p>
+            <a:pPr marL="285750" indent="-285750">
+              <a:buFont typeface="Wingdings" panose="05000000000000000000" pitchFamily="2" charset="2"/>
+              <a:buChar char="§"/>
+            </a:pPr>
+            <a:endParaRPr lang="en-US" altLang="ko-KR" sz="1400" dirty="0" smtClean="0">
+              <a:latin typeface="나눔스퀘어 Bold" panose="020B0600000101010101" pitchFamily="50" charset="-127"/>
+              <a:ea typeface="나눔스퀘어 Bold" panose="020B0600000101010101" pitchFamily="50" charset="-127"/>
+            </a:endParaRPr>
+          </a:p>
+          <a:p>
+            <a:pPr marL="285750" indent="-285750">
+              <a:buFont typeface="Wingdings" panose="05000000000000000000" pitchFamily="2" charset="2"/>
+              <a:buChar char="§"/>
+            </a:pPr>
+            <a:r>
+              <a:rPr lang="en-US" altLang="ko-KR" sz="1400" dirty="0" smtClean="0">
+                <a:latin typeface="나눔스퀘어 Bold" panose="020B0600000101010101" pitchFamily="50" charset="-127"/>
+                <a:ea typeface="나눔스퀘어 Bold" panose="020B0600000101010101" pitchFamily="50" charset="-127"/>
+              </a:rPr>
+              <a:t>IDC </a:t>
+            </a:r>
+            <a:r>
+              <a:rPr lang="en-US" altLang="ko-KR" sz="1400" dirty="0">
+                <a:latin typeface="나눔스퀘어 Bold" panose="020B0600000101010101" pitchFamily="50" charset="-127"/>
+                <a:ea typeface="나눔스퀘어 Bold" panose="020B0600000101010101" pitchFamily="50" charset="-127"/>
+              </a:rPr>
+              <a:t>Loss</a:t>
+            </a:r>
+            <a:r>
+              <a:rPr lang="ko-KR" altLang="en-US" sz="1400" dirty="0">
+                <a:latin typeface="나눔스퀘어 Bold" panose="020B0600000101010101" pitchFamily="50" charset="-127"/>
+                <a:ea typeface="나눔스퀘어 Bold" panose="020B0600000101010101" pitchFamily="50" charset="-127"/>
+              </a:rPr>
+              <a:t>에서 </a:t>
+            </a:r>
+            <a:r>
+              <a:rPr lang="en-US" altLang="ko-KR" sz="1400" dirty="0">
+                <a:latin typeface="나눔스퀘어 Bold" panose="020B0600000101010101" pitchFamily="50" charset="-127"/>
+                <a:ea typeface="나눔스퀘어 Bold" panose="020B0600000101010101" pitchFamily="50" charset="-127"/>
+              </a:rPr>
+              <a:t>domain-information</a:t>
+            </a:r>
+            <a:r>
+              <a:rPr lang="ko-KR" altLang="en-US" sz="1400" dirty="0">
+                <a:latin typeface="나눔스퀘어 Bold" panose="020B0600000101010101" pitchFamily="50" charset="-127"/>
+                <a:ea typeface="나눔스퀘어 Bold" panose="020B0600000101010101" pitchFamily="50" charset="-127"/>
+              </a:rPr>
+              <a:t>을 제거하기 위해 같은 </a:t>
+            </a:r>
+            <a:r>
+              <a:rPr lang="en-US" altLang="ko-KR" sz="1400" dirty="0">
+                <a:latin typeface="나눔스퀘어 Bold" panose="020B0600000101010101" pitchFamily="50" charset="-127"/>
+                <a:ea typeface="나눔스퀘어 Bold" panose="020B0600000101010101" pitchFamily="50" charset="-127"/>
+              </a:rPr>
+              <a:t>domain </a:t>
+            </a:r>
+            <a:r>
+              <a:rPr lang="ko-KR" altLang="en-US" sz="1400" dirty="0">
+                <a:latin typeface="나눔스퀘어 Bold" panose="020B0600000101010101" pitchFamily="50" charset="-127"/>
+                <a:ea typeface="나눔스퀘어 Bold" panose="020B0600000101010101" pitchFamily="50" charset="-127"/>
+              </a:rPr>
+              <a:t>내의 </a:t>
+            </a:r>
+            <a:r>
+              <a:rPr lang="en-US" altLang="ko-KR" sz="1400" dirty="0">
+                <a:latin typeface="나눔스퀘어 Bold" panose="020B0600000101010101" pitchFamily="50" charset="-127"/>
+                <a:ea typeface="나눔스퀘어 Bold" panose="020B0600000101010101" pitchFamily="50" charset="-127"/>
+              </a:rPr>
+              <a:t>text embedding s’ </a:t>
+            </a:r>
+            <a:r>
+              <a:rPr lang="ko-KR" altLang="en-US" sz="1400" dirty="0">
+                <a:latin typeface="나눔스퀘어 Bold" panose="020B0600000101010101" pitchFamily="50" charset="-127"/>
+                <a:ea typeface="나눔스퀘어 Bold" panose="020B0600000101010101" pitchFamily="50" charset="-127"/>
+              </a:rPr>
+              <a:t>간 차이를 키우는데</a:t>
+            </a:r>
+            <a:r>
+              <a:rPr lang="en-US" altLang="ko-KR" sz="1400" dirty="0">
+                <a:latin typeface="나눔스퀘어 Bold" panose="020B0600000101010101" pitchFamily="50" charset="-127"/>
+                <a:ea typeface="나눔스퀘어 Bold" panose="020B0600000101010101" pitchFamily="50" charset="-127"/>
+              </a:rPr>
+              <a:t>, source domain</a:t>
+            </a:r>
+            <a:r>
+              <a:rPr lang="ko-KR" altLang="en-US" sz="1400" dirty="0">
+                <a:latin typeface="나눔스퀘어 Bold" panose="020B0600000101010101" pitchFamily="50" charset="-127"/>
+                <a:ea typeface="나눔스퀘어 Bold" panose="020B0600000101010101" pitchFamily="50" charset="-127"/>
+              </a:rPr>
+              <a:t>과 </a:t>
+            </a:r>
+            <a:r>
+              <a:rPr lang="en-US" altLang="ko-KR" sz="1400" dirty="0">
+                <a:latin typeface="나눔스퀘어 Bold" panose="020B0600000101010101" pitchFamily="50" charset="-127"/>
+                <a:ea typeface="나눔스퀘어 Bold" panose="020B0600000101010101" pitchFamily="50" charset="-127"/>
+              </a:rPr>
+              <a:t>target domain </a:t>
+            </a:r>
+            <a:r>
+              <a:rPr lang="ko-KR" altLang="en-US" sz="1400" dirty="0">
+                <a:latin typeface="나눔스퀘어 Bold" panose="020B0600000101010101" pitchFamily="50" charset="-127"/>
+                <a:ea typeface="나눔스퀘어 Bold" panose="020B0600000101010101" pitchFamily="50" charset="-127"/>
+              </a:rPr>
+              <a:t>간의 관계를 고려하는 것이 필요해 </a:t>
+            </a:r>
+            <a:r>
+              <a:rPr lang="ko-KR" altLang="en-US" sz="1400" dirty="0" smtClean="0">
+                <a:latin typeface="나눔스퀘어 Bold" panose="020B0600000101010101" pitchFamily="50" charset="-127"/>
+                <a:ea typeface="나눔스퀘어 Bold" panose="020B0600000101010101" pitchFamily="50" charset="-127"/>
+              </a:rPr>
+              <a:t>보임</a:t>
+            </a:r>
+            <a:endParaRPr lang="en-US" altLang="ko-KR" sz="1400" dirty="0" smtClean="0">
+              <a:latin typeface="나눔스퀘어 Bold" panose="020B0600000101010101" pitchFamily="50" charset="-127"/>
+              <a:ea typeface="나눔스퀘어 Bold" panose="020B0600000101010101" pitchFamily="50" charset="-127"/>
+            </a:endParaRPr>
+          </a:p>
+          <a:p>
+            <a:pPr marL="285750" indent="-285750">
+              <a:buFont typeface="Wingdings" panose="05000000000000000000" pitchFamily="2" charset="2"/>
+              <a:buChar char="§"/>
+            </a:pPr>
+            <a:endParaRPr lang="en-US" altLang="ko-KR" sz="1400" dirty="0">
+              <a:latin typeface="나눔스퀘어 Bold" panose="020B0600000101010101" pitchFamily="50" charset="-127"/>
+              <a:ea typeface="나눔스퀘어 Bold" panose="020B0600000101010101" pitchFamily="50" charset="-127"/>
+            </a:endParaRPr>
+          </a:p>
+          <a:p>
+            <a:pPr marL="285750" indent="-285750">
+              <a:buFont typeface="Wingdings" panose="05000000000000000000" pitchFamily="2" charset="2"/>
+              <a:buChar char="§"/>
+            </a:pPr>
+            <a:r>
+              <a:rPr lang="en-US" altLang="ko-KR" sz="1400" dirty="0" smtClean="0">
+                <a:latin typeface="나눔스퀘어 Bold" panose="020B0600000101010101" pitchFamily="50" charset="-127"/>
+                <a:ea typeface="나눔스퀘어 Bold" panose="020B0600000101010101" pitchFamily="50" charset="-127"/>
+              </a:rPr>
+              <a:t>SC </a:t>
+            </a:r>
+            <a:r>
+              <a:rPr lang="en-US" altLang="ko-KR" sz="1400" dirty="0">
+                <a:latin typeface="나눔스퀘어 Bold" panose="020B0600000101010101" pitchFamily="50" charset="-127"/>
+                <a:ea typeface="나눔스퀘어 Bold" panose="020B0600000101010101" pitchFamily="50" charset="-127"/>
+              </a:rPr>
+              <a:t>Regularization</a:t>
+            </a:r>
+            <a:r>
+              <a:rPr lang="ko-KR" altLang="en-US" sz="1400" dirty="0">
+                <a:latin typeface="나눔스퀘어 Bold" panose="020B0600000101010101" pitchFamily="50" charset="-127"/>
+                <a:ea typeface="나눔스퀘어 Bold" panose="020B0600000101010101" pitchFamily="50" charset="-127"/>
+              </a:rPr>
+              <a:t>에서는 </a:t>
+            </a:r>
+            <a:r>
+              <a:rPr lang="en-US" altLang="ko-KR" sz="1400" dirty="0">
+                <a:latin typeface="나눔스퀘어 Bold" panose="020B0600000101010101" pitchFamily="50" charset="-127"/>
+                <a:ea typeface="나눔스퀘어 Bold" panose="020B0600000101010101" pitchFamily="50" charset="-127"/>
+              </a:rPr>
+              <a:t>visual embedding v’</a:t>
+            </a:r>
+            <a:r>
+              <a:rPr lang="ko-KR" altLang="en-US" sz="1400" dirty="0">
+                <a:latin typeface="나눔스퀘어 Bold" panose="020B0600000101010101" pitchFamily="50" charset="-127"/>
+                <a:ea typeface="나눔스퀘어 Bold" panose="020B0600000101010101" pitchFamily="50" charset="-127"/>
+              </a:rPr>
+              <a:t>의 </a:t>
+            </a:r>
+            <a:r>
+              <a:rPr lang="en-US" altLang="ko-KR" sz="1400" dirty="0">
+                <a:latin typeface="나눔스퀘어 Bold" panose="020B0600000101010101" pitchFamily="50" charset="-127"/>
+                <a:ea typeface="나눔스퀘어 Bold" panose="020B0600000101010101" pitchFamily="50" charset="-127"/>
+              </a:rPr>
+              <a:t>domain-invariance</a:t>
+            </a:r>
+            <a:r>
+              <a:rPr lang="ko-KR" altLang="en-US" sz="1400" dirty="0">
+                <a:latin typeface="나눔스퀘어 Bold" panose="020B0600000101010101" pitchFamily="50" charset="-127"/>
+                <a:ea typeface="나눔스퀘어 Bold" panose="020B0600000101010101" pitchFamily="50" charset="-127"/>
+              </a:rPr>
+              <a:t>를 학습하기 위해 </a:t>
+            </a:r>
+            <a:r>
+              <a:rPr lang="en-US" altLang="ko-KR" sz="1400" dirty="0">
+                <a:latin typeface="나눔스퀘어 Bold" panose="020B0600000101010101" pitchFamily="50" charset="-127"/>
+                <a:ea typeface="나눔스퀘어 Bold" panose="020B0600000101010101" pitchFamily="50" charset="-127"/>
+              </a:rPr>
+              <a:t>augmentation</a:t>
+            </a:r>
+            <a:r>
+              <a:rPr lang="ko-KR" altLang="en-US" sz="1400" dirty="0">
+                <a:latin typeface="나눔스퀘어 Bold" panose="020B0600000101010101" pitchFamily="50" charset="-127"/>
+                <a:ea typeface="나눔스퀘어 Bold" panose="020B0600000101010101" pitchFamily="50" charset="-127"/>
+              </a:rPr>
+              <a:t>을 이용하는데</a:t>
+            </a:r>
+            <a:r>
+              <a:rPr lang="en-US" altLang="ko-KR" sz="1400" dirty="0">
+                <a:latin typeface="나눔스퀘어 Bold" panose="020B0600000101010101" pitchFamily="50" charset="-127"/>
+                <a:ea typeface="나눔스퀘어 Bold" panose="020B0600000101010101" pitchFamily="50" charset="-127"/>
+              </a:rPr>
+              <a:t>, </a:t>
+            </a:r>
+            <a:r>
+              <a:rPr lang="ko-KR" altLang="en-US" sz="1400" dirty="0">
+                <a:latin typeface="나눔스퀘어 Bold" panose="020B0600000101010101" pitchFamily="50" charset="-127"/>
+                <a:ea typeface="나눔스퀘어 Bold" panose="020B0600000101010101" pitchFamily="50" charset="-127"/>
+              </a:rPr>
+              <a:t>이 때도 다른 </a:t>
+            </a:r>
+            <a:r>
+              <a:rPr lang="en-US" altLang="ko-KR" sz="1400" dirty="0">
+                <a:latin typeface="나눔스퀘어 Bold" panose="020B0600000101010101" pitchFamily="50" charset="-127"/>
+                <a:ea typeface="나눔스퀘어 Bold" panose="020B0600000101010101" pitchFamily="50" charset="-127"/>
+              </a:rPr>
+              <a:t>domain sample</a:t>
+            </a:r>
+            <a:r>
+              <a:rPr lang="ko-KR" altLang="en-US" sz="1400" dirty="0">
+                <a:latin typeface="나눔스퀘어 Bold" panose="020B0600000101010101" pitchFamily="50" charset="-127"/>
+                <a:ea typeface="나눔스퀘어 Bold" panose="020B0600000101010101" pitchFamily="50" charset="-127"/>
+              </a:rPr>
+              <a:t>을 활용하지 않음</a:t>
+            </a:r>
+            <a:endParaRPr lang="en-US" altLang="ko-KR" sz="1400" dirty="0" smtClean="0">
+              <a:latin typeface="나눔스퀘어 Bold" panose="020B0600000101010101" pitchFamily="50" charset="-127"/>
+              <a:ea typeface="나눔스퀘어 Bold" panose="020B0600000101010101" pitchFamily="50" charset="-127"/>
+            </a:endParaRPr>
+          </a:p>
+        </p:txBody>
+      </p:sp>
+      <p:sp>
+        <p:nvSpPr>
+          <p:cNvPr id="7" name="TextBox 6">
+            <a:extLst>
+              <a:ext uri="{FF2B5EF4-FFF2-40B4-BE49-F238E27FC236}">
+                <a16:creationId xmlns:a16="http://schemas.microsoft.com/office/drawing/2014/main" id="{43AD0F1D-18AC-4DEA-AACB-5FB085B6C455}"/>
+              </a:ext>
+            </a:extLst>
+          </p:cNvPr>
+          <p:cNvSpPr txBox="1"/>
+          <p:nvPr/>
+        </p:nvSpPr>
+        <p:spPr>
+          <a:xfrm>
+            <a:off x="5886429" y="4167138"/>
+            <a:ext cx="6207127" cy="1600438"/>
+          </a:xfrm>
+          <a:prstGeom prst="rect">
+            <a:avLst/>
+          </a:prstGeom>
+          <a:noFill/>
+        </p:spPr>
+        <p:txBody>
+          <a:bodyPr wrap="square" rtlCol="0">
+            <a:spAutoFit/>
+          </a:bodyPr>
+          <a:lstStyle/>
+          <a:p>
+            <a:r>
+              <a:rPr lang="en-US" altLang="ko-KR" sz="1400" dirty="0" smtClean="0">
+                <a:latin typeface="나눔스퀘어 Bold" panose="020B0600000101010101" pitchFamily="50" charset="-127"/>
+                <a:ea typeface="나눔스퀘어 Bold" panose="020B0600000101010101" pitchFamily="50" charset="-127"/>
+              </a:rPr>
+              <a:t>(2)</a:t>
+            </a:r>
+          </a:p>
+          <a:p>
+            <a:endParaRPr lang="en-US" altLang="ko-KR" sz="1400" dirty="0" smtClean="0">
+              <a:latin typeface="나눔스퀘어 Bold" panose="020B0600000101010101" pitchFamily="50" charset="-127"/>
+              <a:ea typeface="나눔스퀘어 Bold" panose="020B0600000101010101" pitchFamily="50" charset="-127"/>
+            </a:endParaRPr>
+          </a:p>
+          <a:p>
+            <a:pPr marL="285750" indent="-285750">
+              <a:buFont typeface="Wingdings" panose="05000000000000000000" pitchFamily="2" charset="2"/>
+              <a:buChar char="§"/>
+            </a:pPr>
+            <a:r>
+              <a:rPr lang="en-US" altLang="ko-KR" sz="1400" dirty="0" smtClean="0">
+                <a:latin typeface="나눔스퀘어 Bold" panose="020B0600000101010101" pitchFamily="50" charset="-127"/>
+                <a:ea typeface="나눔스퀘어 Bold" panose="020B0600000101010101" pitchFamily="50" charset="-127"/>
+              </a:rPr>
+              <a:t>domain </a:t>
+            </a:r>
+            <a:r>
+              <a:rPr lang="en-US" altLang="ko-KR" sz="1400" dirty="0">
+                <a:latin typeface="나눔스퀘어 Bold" panose="020B0600000101010101" pitchFamily="50" charset="-127"/>
+                <a:ea typeface="나눔스퀘어 Bold" panose="020B0600000101010101" pitchFamily="50" charset="-127"/>
+              </a:rPr>
+              <a:t>gap</a:t>
+            </a:r>
+            <a:r>
+              <a:rPr lang="ko-KR" altLang="en-US" sz="1400" dirty="0">
+                <a:latin typeface="나눔스퀘어 Bold" panose="020B0600000101010101" pitchFamily="50" charset="-127"/>
+                <a:ea typeface="나눔스퀘어 Bold" panose="020B0600000101010101" pitchFamily="50" charset="-127"/>
+              </a:rPr>
+              <a:t>이 큰 </a:t>
+            </a:r>
+            <a:r>
+              <a:rPr lang="en-US" altLang="ko-KR" sz="1400" dirty="0">
+                <a:latin typeface="나눔스퀘어 Bold" panose="020B0600000101010101" pitchFamily="50" charset="-127"/>
+                <a:ea typeface="나눔스퀘어 Bold" panose="020B0600000101010101" pitchFamily="50" charset="-127"/>
+              </a:rPr>
+              <a:t>challenging</a:t>
+            </a:r>
+            <a:r>
+              <a:rPr lang="ko-KR" altLang="en-US" sz="1400" dirty="0">
+                <a:latin typeface="나눔스퀘어 Bold" panose="020B0600000101010101" pitchFamily="50" charset="-127"/>
+                <a:ea typeface="나눔스퀘어 Bold" panose="020B0600000101010101" pitchFamily="50" charset="-127"/>
+              </a:rPr>
+              <a:t>한 </a:t>
+            </a:r>
+            <a:r>
+              <a:rPr lang="en-US" altLang="ko-KR" sz="1400" dirty="0">
+                <a:latin typeface="나눔스퀘어 Bold" panose="020B0600000101010101" pitchFamily="50" charset="-127"/>
+                <a:ea typeface="나눔스퀘어 Bold" panose="020B0600000101010101" pitchFamily="50" charset="-127"/>
+              </a:rPr>
+              <a:t>dataset</a:t>
+            </a:r>
+            <a:r>
+              <a:rPr lang="ko-KR" altLang="en-US" sz="1400" dirty="0">
+                <a:latin typeface="나눔스퀘어 Bold" panose="020B0600000101010101" pitchFamily="50" charset="-127"/>
+                <a:ea typeface="나눔스퀘어 Bold" panose="020B0600000101010101" pitchFamily="50" charset="-127"/>
+              </a:rPr>
+              <a:t>의 경우</a:t>
+            </a:r>
+            <a:r>
+              <a:rPr lang="en-US" altLang="ko-KR" sz="1400" dirty="0">
+                <a:latin typeface="나눔스퀘어 Bold" panose="020B0600000101010101" pitchFamily="50" charset="-127"/>
+                <a:ea typeface="나눔스퀘어 Bold" panose="020B0600000101010101" pitchFamily="50" charset="-127"/>
+              </a:rPr>
+              <a:t>, </a:t>
+            </a:r>
+            <a:r>
+              <a:rPr lang="ko-KR" altLang="en-US" sz="1400" dirty="0" smtClean="0">
+                <a:latin typeface="나눔스퀘어 Bold" panose="020B0600000101010101" pitchFamily="50" charset="-127"/>
+                <a:ea typeface="나눔스퀘어 Bold" panose="020B0600000101010101" pitchFamily="50" charset="-127"/>
+              </a:rPr>
+              <a:t>다른 </a:t>
+            </a:r>
+            <a:r>
+              <a:rPr lang="en-US" altLang="ko-KR" sz="1400" dirty="0" smtClean="0">
+                <a:latin typeface="나눔스퀘어 Bold" panose="020B0600000101010101" pitchFamily="50" charset="-127"/>
+                <a:ea typeface="나눔스퀘어 Bold" panose="020B0600000101010101" pitchFamily="50" charset="-127"/>
+              </a:rPr>
+              <a:t>method</a:t>
+            </a:r>
+            <a:r>
+              <a:rPr lang="ko-KR" altLang="en-US" sz="1400" dirty="0" smtClean="0">
+                <a:latin typeface="나눔스퀘어 Bold" panose="020B0600000101010101" pitchFamily="50" charset="-127"/>
+                <a:ea typeface="나눔스퀘어 Bold" panose="020B0600000101010101" pitchFamily="50" charset="-127"/>
+              </a:rPr>
+              <a:t>들과 비교했을 때 성능이 </a:t>
+            </a:r>
+            <a:r>
+              <a:rPr lang="ko-KR" altLang="en-US" sz="1400" dirty="0">
+                <a:latin typeface="나눔스퀘어 Bold" panose="020B0600000101010101" pitchFamily="50" charset="-127"/>
+                <a:ea typeface="나눔스퀘어 Bold" panose="020B0600000101010101" pitchFamily="50" charset="-127"/>
+              </a:rPr>
+              <a:t>큰 차이를 보이지 </a:t>
+            </a:r>
+            <a:r>
+              <a:rPr lang="ko-KR" altLang="en-US" sz="1400" dirty="0" smtClean="0">
+                <a:latin typeface="나눔스퀘어 Bold" panose="020B0600000101010101" pitchFamily="50" charset="-127"/>
+                <a:ea typeface="나눔스퀘어 Bold" panose="020B0600000101010101" pitchFamily="50" charset="-127"/>
+              </a:rPr>
+              <a:t>않음</a:t>
+            </a:r>
+            <a:endParaRPr lang="en-US" altLang="ko-KR" sz="1400" dirty="0" smtClean="0">
+              <a:latin typeface="나눔스퀘어 Bold" panose="020B0600000101010101" pitchFamily="50" charset="-127"/>
+              <a:ea typeface="나눔스퀘어 Bold" panose="020B0600000101010101" pitchFamily="50" charset="-127"/>
+            </a:endParaRPr>
+          </a:p>
+          <a:p>
+            <a:pPr marL="285750" indent="-285750">
+              <a:buFont typeface="Wingdings" panose="05000000000000000000" pitchFamily="2" charset="2"/>
+              <a:buChar char="§"/>
+            </a:pPr>
+            <a:endParaRPr lang="en-US" altLang="ko-KR" sz="1400" dirty="0">
+              <a:latin typeface="나눔스퀘어 Bold" panose="020B0600000101010101" pitchFamily="50" charset="-127"/>
+              <a:ea typeface="나눔스퀘어 Bold" panose="020B0600000101010101" pitchFamily="50" charset="-127"/>
+            </a:endParaRPr>
+          </a:p>
+          <a:p>
+            <a:pPr marL="285750" indent="-285750">
+              <a:buFont typeface="Wingdings" panose="05000000000000000000" pitchFamily="2" charset="2"/>
+              <a:buChar char="§"/>
+            </a:pPr>
+            <a:r>
+              <a:rPr lang="en-US" altLang="ko-KR" sz="1400" dirty="0">
+                <a:latin typeface="나눔스퀘어 Bold" panose="020B0600000101010101" pitchFamily="50" charset="-127"/>
+                <a:ea typeface="나눔스퀘어 Bold" panose="020B0600000101010101" pitchFamily="50" charset="-127"/>
+              </a:rPr>
+              <a:t>domain-specific representation</a:t>
+            </a:r>
+            <a:r>
+              <a:rPr lang="ko-KR" altLang="en-US" sz="1400" dirty="0">
+                <a:latin typeface="나눔스퀘어 Bold" panose="020B0600000101010101" pitchFamily="50" charset="-127"/>
+                <a:ea typeface="나눔스퀘어 Bold" panose="020B0600000101010101" pitchFamily="50" charset="-127"/>
+              </a:rPr>
+              <a:t>을 학습하는 </a:t>
+            </a:r>
+            <a:r>
+              <a:rPr lang="en-US" altLang="ko-KR" sz="1400" dirty="0">
+                <a:latin typeface="나눔스퀘어 Bold" panose="020B0600000101010101" pitchFamily="50" charset="-127"/>
+                <a:ea typeface="나눔스퀘어 Bold" panose="020B0600000101010101" pitchFamily="50" charset="-127"/>
+              </a:rPr>
+              <a:t>embedding</a:t>
+            </a:r>
+            <a:r>
+              <a:rPr lang="ko-KR" altLang="en-US" sz="1400" dirty="0">
+                <a:latin typeface="나눔스퀘어 Bold" panose="020B0600000101010101" pitchFamily="50" charset="-127"/>
+                <a:ea typeface="나눔스퀘어 Bold" panose="020B0600000101010101" pitchFamily="50" charset="-127"/>
+              </a:rPr>
+              <a:t>이 없기 때문에</a:t>
+            </a:r>
+            <a:r>
+              <a:rPr lang="en-US" altLang="ko-KR" sz="1400" dirty="0">
+                <a:latin typeface="나눔스퀘어 Bold" panose="020B0600000101010101" pitchFamily="50" charset="-127"/>
+                <a:ea typeface="나눔스퀘어 Bold" panose="020B0600000101010101" pitchFamily="50" charset="-127"/>
+              </a:rPr>
+              <a:t>, target </a:t>
+            </a:r>
+            <a:r>
+              <a:rPr lang="en-US" altLang="ko-KR" sz="1400" dirty="0" smtClean="0">
+                <a:latin typeface="나눔스퀘어 Bold" panose="020B0600000101010101" pitchFamily="50" charset="-127"/>
+                <a:ea typeface="나눔스퀘어 Bold" panose="020B0600000101010101" pitchFamily="50" charset="-127"/>
+              </a:rPr>
+              <a:t>domain</a:t>
+            </a:r>
+            <a:r>
+              <a:rPr lang="ko-KR" altLang="en-US" sz="1400" dirty="0" smtClean="0">
+                <a:latin typeface="나눔스퀘어 Bold" panose="020B0600000101010101" pitchFamily="50" charset="-127"/>
+                <a:ea typeface="나눔스퀘어 Bold" panose="020B0600000101010101" pitchFamily="50" charset="-127"/>
+              </a:rPr>
+              <a:t>에 </a:t>
+            </a:r>
+            <a:r>
+              <a:rPr lang="ko-KR" altLang="en-US" sz="1400" dirty="0">
+                <a:latin typeface="나눔스퀘어 Bold" panose="020B0600000101010101" pitchFamily="50" charset="-127"/>
+                <a:ea typeface="나눔스퀘어 Bold" panose="020B0600000101010101" pitchFamily="50" charset="-127"/>
+              </a:rPr>
+              <a:t>대한 정보가 부족해 생기는 결과로 추측됨</a:t>
+            </a:r>
+            <a:endParaRPr lang="en-US" altLang="ko-KR" sz="1400" dirty="0">
+              <a:latin typeface="나눔스퀘어 Bold" panose="020B0600000101010101" pitchFamily="50" charset="-127"/>
+              <a:ea typeface="나눔스퀘어 Bold" panose="020B0600000101010101" pitchFamily="50" charset="-127"/>
+            </a:endParaRPr>
+          </a:p>
+        </p:txBody>
+      </p:sp>
+      <p:grpSp>
+        <p:nvGrpSpPr>
+          <p:cNvPr id="9" name="그룹 8"/>
+          <p:cNvGrpSpPr/>
+          <p:nvPr/>
+        </p:nvGrpSpPr>
+        <p:grpSpPr>
+          <a:xfrm>
+            <a:off x="0" y="3686331"/>
+            <a:ext cx="5724395" cy="2902360"/>
+            <a:chOff x="-413359" y="854576"/>
+            <a:chExt cx="6901841" cy="4168056"/>
+          </a:xfrm>
+        </p:grpSpPr>
+        <p:pic>
+          <p:nvPicPr>
+            <p:cNvPr id="5" name="그림 4"/>
+            <p:cNvPicPr>
+              <a:picLocks noChangeAspect="1"/>
+            </p:cNvPicPr>
+            <p:nvPr/>
+          </p:nvPicPr>
+          <p:blipFill rotWithShape="1">
+            <a:blip r:embed="rId2"/>
+            <a:srcRect r="31322"/>
+            <a:stretch/>
+          </p:blipFill>
+          <p:spPr>
+            <a:xfrm>
+              <a:off x="-413359" y="854576"/>
+              <a:ext cx="6901841" cy="4168056"/>
+            </a:xfrm>
+            <a:prstGeom prst="rect">
+              <a:avLst/>
+            </a:prstGeom>
+          </p:spPr>
+        </p:pic>
+        <p:sp>
+          <p:nvSpPr>
+            <p:cNvPr id="6" name="직사각형 5"/>
+            <p:cNvSpPr/>
+            <p:nvPr/>
+          </p:nvSpPr>
+          <p:spPr>
+            <a:xfrm>
+              <a:off x="1745641" y="1218026"/>
+              <a:ext cx="469900" cy="3645332"/>
+            </a:xfrm>
+            <a:prstGeom prst="rect">
+              <a:avLst/>
+            </a:prstGeom>
+            <a:noFill/>
+            <a:ln w="38100">
+              <a:solidFill>
+                <a:srgbClr val="FF0000"/>
+              </a:solidFill>
+            </a:ln>
+          </p:spPr>
+          <p:style>
+            <a:lnRef idx="2">
+              <a:schemeClr val="accent1">
+                <a:shade val="50000"/>
+              </a:schemeClr>
+            </a:lnRef>
+            <a:fillRef idx="1">
+              <a:schemeClr val="accent1"/>
+            </a:fillRef>
+            <a:effectRef idx="0">
+              <a:schemeClr val="accent1"/>
+            </a:effectRef>
+            <a:fontRef idx="minor">
+              <a:schemeClr val="lt1"/>
+            </a:fontRef>
+          </p:style>
+          <p:txBody>
+            <a:bodyPr rtlCol="0" anchor="ctr"/>
+            <a:lstStyle/>
+            <a:p>
+              <a:pPr algn="ctr"/>
+              <a:endParaRPr lang="ko-KR" altLang="en-US"/>
+            </a:p>
+          </p:txBody>
+        </p:sp>
+        <p:sp>
+          <p:nvSpPr>
+            <p:cNvPr id="11" name="직사각형 10"/>
+            <p:cNvSpPr/>
+            <p:nvPr/>
+          </p:nvSpPr>
+          <p:spPr>
+            <a:xfrm>
+              <a:off x="3583955" y="1218026"/>
+              <a:ext cx="469900" cy="3645332"/>
+            </a:xfrm>
+            <a:prstGeom prst="rect">
+              <a:avLst/>
+            </a:prstGeom>
+            <a:noFill/>
+            <a:ln w="38100">
+              <a:solidFill>
+                <a:srgbClr val="FF0000"/>
+              </a:solidFill>
+            </a:ln>
+          </p:spPr>
+          <p:style>
+            <a:lnRef idx="2">
+              <a:schemeClr val="accent1">
+                <a:shade val="50000"/>
+              </a:schemeClr>
+            </a:lnRef>
+            <a:fillRef idx="1">
+              <a:schemeClr val="accent1"/>
+            </a:fillRef>
+            <a:effectRef idx="0">
+              <a:schemeClr val="accent1"/>
+            </a:effectRef>
+            <a:fontRef idx="minor">
+              <a:schemeClr val="lt1"/>
+            </a:fontRef>
+          </p:style>
+          <p:txBody>
+            <a:bodyPr rtlCol="0" anchor="ctr"/>
+            <a:lstStyle/>
+            <a:p>
+              <a:pPr algn="ctr"/>
+              <a:endParaRPr lang="ko-KR" altLang="en-US"/>
+            </a:p>
+          </p:txBody>
+        </p:sp>
+        <p:sp>
+          <p:nvSpPr>
+            <p:cNvPr id="13" name="직사각형 12"/>
+            <p:cNvSpPr/>
+            <p:nvPr/>
+          </p:nvSpPr>
+          <p:spPr>
+            <a:xfrm>
+              <a:off x="5380983" y="1218026"/>
+              <a:ext cx="469900" cy="3645332"/>
+            </a:xfrm>
+            <a:prstGeom prst="rect">
+              <a:avLst/>
+            </a:prstGeom>
+            <a:noFill/>
+            <a:ln w="38100">
+              <a:solidFill>
+                <a:srgbClr val="FF0000"/>
+              </a:solidFill>
+            </a:ln>
+          </p:spPr>
+          <p:style>
+            <a:lnRef idx="2">
+              <a:schemeClr val="accent1">
+                <a:shade val="50000"/>
+              </a:schemeClr>
+            </a:lnRef>
+            <a:fillRef idx="1">
+              <a:schemeClr val="accent1"/>
+            </a:fillRef>
+            <a:effectRef idx="0">
+              <a:schemeClr val="accent1"/>
+            </a:effectRef>
+            <a:fontRef idx="minor">
+              <a:schemeClr val="lt1"/>
+            </a:fontRef>
+          </p:style>
+          <p:txBody>
+            <a:bodyPr rtlCol="0" anchor="ctr"/>
+            <a:lstStyle/>
+            <a:p>
+              <a:pPr algn="ctr"/>
+              <a:endParaRPr lang="ko-KR" altLang="en-US"/>
+            </a:p>
+          </p:txBody>
+        </p:sp>
+        <p:sp>
+          <p:nvSpPr>
+            <p:cNvPr id="14" name="직사각형 13"/>
+            <p:cNvSpPr/>
+            <p:nvPr/>
+          </p:nvSpPr>
+          <p:spPr>
+            <a:xfrm>
+              <a:off x="5977260" y="1218026"/>
+              <a:ext cx="469900" cy="3645332"/>
+            </a:xfrm>
+            <a:prstGeom prst="rect">
+              <a:avLst/>
+            </a:prstGeom>
+            <a:noFill/>
+            <a:ln w="38100">
+              <a:solidFill>
+                <a:srgbClr val="FF0000"/>
+              </a:solidFill>
+            </a:ln>
+          </p:spPr>
+          <p:style>
+            <a:lnRef idx="2">
+              <a:schemeClr val="accent1">
+                <a:shade val="50000"/>
+              </a:schemeClr>
+            </a:lnRef>
+            <a:fillRef idx="1">
+              <a:schemeClr val="accent1"/>
+            </a:fillRef>
+            <a:effectRef idx="0">
+              <a:schemeClr val="accent1"/>
+            </a:effectRef>
+            <a:fontRef idx="minor">
+              <a:schemeClr val="lt1"/>
+            </a:fontRef>
+          </p:style>
+          <p:txBody>
+            <a:bodyPr rtlCol="0" anchor="ctr"/>
+            <a:lstStyle/>
+            <a:p>
+              <a:pPr algn="ctr"/>
+              <a:endParaRPr lang="ko-KR" altLang="en-US"/>
+            </a:p>
+          </p:txBody>
+        </p:sp>
+      </p:grpSp>
+      <p:pic>
+        <p:nvPicPr>
+          <p:cNvPr id="18" name="그림 17"/>
+          <p:cNvPicPr>
+            <a:picLocks noChangeAspect="1"/>
+          </p:cNvPicPr>
+          <p:nvPr/>
+        </p:nvPicPr>
+        <p:blipFill>
+          <a:blip r:embed="rId3"/>
+          <a:stretch>
+            <a:fillRect/>
+          </a:stretch>
+        </p:blipFill>
+        <p:spPr>
+          <a:xfrm>
+            <a:off x="489725" y="1216003"/>
+            <a:ext cx="3381375" cy="542925"/>
+          </a:xfrm>
+          <a:prstGeom prst="rect">
+            <a:avLst/>
+          </a:prstGeom>
+        </p:spPr>
+      </p:pic>
+      <p:pic>
+        <p:nvPicPr>
+          <p:cNvPr id="19" name="그림 18"/>
+          <p:cNvPicPr>
+            <a:picLocks noChangeAspect="1"/>
+          </p:cNvPicPr>
+          <p:nvPr/>
+        </p:nvPicPr>
+        <p:blipFill>
+          <a:blip r:embed="rId4"/>
+          <a:stretch>
+            <a:fillRect/>
+          </a:stretch>
+        </p:blipFill>
+        <p:spPr>
+          <a:xfrm>
+            <a:off x="4316789" y="1387452"/>
+            <a:ext cx="561975" cy="200025"/>
+          </a:xfrm>
+          <a:prstGeom prst="rect">
+            <a:avLst/>
+          </a:prstGeom>
+        </p:spPr>
+      </p:pic>
+      <p:pic>
+        <p:nvPicPr>
+          <p:cNvPr id="20" name="그림 19"/>
+          <p:cNvPicPr>
+            <a:picLocks noChangeAspect="1"/>
+          </p:cNvPicPr>
+          <p:nvPr/>
+        </p:nvPicPr>
+        <p:blipFill>
+          <a:blip r:embed="rId5"/>
+          <a:stretch>
+            <a:fillRect/>
+          </a:stretch>
+        </p:blipFill>
+        <p:spPr>
+          <a:xfrm>
+            <a:off x="489725" y="2046354"/>
+            <a:ext cx="2533650" cy="590550"/>
+          </a:xfrm>
+          <a:prstGeom prst="rect">
+            <a:avLst/>
+          </a:prstGeom>
+        </p:spPr>
+      </p:pic>
+    </p:spTree>
+    <p:extLst>
+      <p:ext uri="{BB962C8B-B14F-4D97-AF65-F5344CB8AC3E}">
+        <p14:creationId xmlns:p14="http://schemas.microsoft.com/office/powerpoint/2010/main" val="3231006582"/>
       </p:ext>
     </p:extLst>
   </p:cSld>
@@ -12379,7 +14518,21 @@
                 <a:latin typeface="나눔스퀘어 Bold" panose="020B0600000101010101" pitchFamily="50" charset="-127"/>
                 <a:ea typeface="나눔스퀘어 Bold" panose="020B0600000101010101" pitchFamily="50" charset="-127"/>
               </a:rPr>
-              <a:t>disentangled semantic and domain representation</a:t>
+              <a:t>disentangled semantic </a:t>
+            </a:r>
+            <a:r>
+              <a:rPr lang="en-US" altLang="ko-KR" sz="1400" dirty="0" smtClean="0">
+                <a:latin typeface="나눔스퀘어 Bold" panose="020B0600000101010101" pitchFamily="50" charset="-127"/>
+                <a:ea typeface="나눔스퀘어 Bold" panose="020B0600000101010101" pitchFamily="50" charset="-127"/>
+              </a:rPr>
+              <a:t>&amp; </a:t>
+            </a:r>
+            <a:r>
+              <a:rPr lang="en-US" altLang="ko-KR" sz="1400" dirty="0">
+                <a:latin typeface="나눔스퀘어 Bold" panose="020B0600000101010101" pitchFamily="50" charset="-127"/>
+                <a:ea typeface="나눔스퀘어 Bold" panose="020B0600000101010101" pitchFamily="50" charset="-127"/>
+              </a:rPr>
+              <a:t>domain representation</a:t>
             </a:r>
             <a:r>
               <a:rPr lang="ko-KR" altLang="en-US" sz="1400" dirty="0">
@@ -12612,8 +14765,8 @@
           </a:p>
         </p:txBody>
       </p:sp>
-      <mc:AlternateContent xmlns:mc="http://schemas.openxmlformats.org/markup-compatibility/2006">
-        <mc:Choice xmlns:a14="http://schemas.microsoft.com/office/drawing/2010/main" Requires="a14">
+      <mc:AlternateContent xmlns:mc="http://schemas.openxmlformats.org/markup-compatibility/2006" xmlns:a14="http://schemas.microsoft.com/office/drawing/2010/main">
+        <mc:Choice Requires="a14">
           <p:sp>
             <p:nvSpPr>
               <p:cNvPr id="14" name="TextBox 13">
@@ -12766,14 +14919,7 @@
                     <a:latin typeface="나눔스퀘어 Bold" panose="020B0600000101010101" pitchFamily="50" charset="-127"/>
                     <a:ea typeface="나눔스퀘어 Bold" panose="020B0600000101010101" pitchFamily="50" charset="-127"/>
                   </a:rPr>
-                  <a:t>class name</a:t>
-                </a:r>
-                <a:r>
-                  <a:rPr lang="en-US" altLang="ko-KR" sz="1400" dirty="0">
-                    <a:latin typeface="나눔스퀘어 Bold" panose="020B0600000101010101" pitchFamily="50" charset="-127"/>
-                    <a:ea typeface="나눔스퀘어 Bold" panose="020B0600000101010101" pitchFamily="50" charset="-127"/>
-                  </a:rPr>
-                  <a:t> </a:t>
+                  <a:t>class name </a:t>
                 </a:r>
                 <a14:m>
                   <m:oMath xmlns:m="http://schemas.openxmlformats.org/officeDocument/2006/math">
@@ -12890,7 +15036,7 @@
             </p:txBody>
           </p:sp>
         </mc:Choice>
-        <mc:Fallback>
+        <mc:Fallback xmlns="">
           <p:sp>
             <p:nvSpPr>
               <p:cNvPr id="14" name="TextBox 13">
@@ -13546,14 +15692,35 @@
                 <a:latin typeface="나눔스퀘어 Bold" panose="020B0600000101010101" pitchFamily="50" charset="-127"/>
                 <a:ea typeface="나눔스퀘어 Bold" panose="020B0600000101010101" pitchFamily="50" charset="-127"/>
               </a:rPr>
-              <a:t>class-level textual prompt</a:t>
+              <a:t>class-level textual </a:t>
+            </a:r>
+            <a:r>
+              <a:rPr lang="en-US" altLang="ko-KR" sz="1400" dirty="0" smtClean="0">
+                <a:latin typeface="나눔스퀘어 Bold" panose="020B0600000101010101" pitchFamily="50" charset="-127"/>
+                <a:ea typeface="나눔스퀘어 Bold" panose="020B0600000101010101" pitchFamily="50" charset="-127"/>
+              </a:rPr>
+              <a:t>prompt</a:t>
+            </a:r>
+            <a:r>
+              <a:rPr lang="ko-KR" altLang="en-US" sz="1400" dirty="0">
+                <a:latin typeface="나눔스퀘어 Bold" panose="020B0600000101010101" pitchFamily="50" charset="-127"/>
+                <a:ea typeface="나눔스퀘어 Bold" panose="020B0600000101010101" pitchFamily="50" charset="-127"/>
+              </a:rPr>
+              <a:t>를</a:t>
             </a:r>
             <a:r>
               <a:rPr lang="ko-KR" altLang="en-US" sz="1400" dirty="0" smtClean="0">
                 <a:latin typeface="나눔스퀘어 Bold" panose="020B0600000101010101" pitchFamily="50" charset="-127"/>
                 <a:ea typeface="나눔스퀘어 Bold" panose="020B0600000101010101" pitchFamily="50" charset="-127"/>
               </a:rPr>
-              <a:t>을 모든 </a:t>
+              <a:t> </a:t>
+            </a:r>
+            <a:r>
+              <a:rPr lang="ko-KR" altLang="en-US" sz="1400" dirty="0" smtClean="0">
+                <a:latin typeface="나눔스퀘어 Bold" panose="020B0600000101010101" pitchFamily="50" charset="-127"/>
+                <a:ea typeface="나눔스퀘어 Bold" panose="020B0600000101010101" pitchFamily="50" charset="-127"/>
+              </a:rPr>
+              <a:t>모든 </a:t>
             </a:r>
             <a:r>
               <a:rPr lang="en-US" altLang="ko-KR" sz="1400" dirty="0" smtClean="0">
@@ -14208,18 +16375,11 @@
                   <a:t>하지만 다른 위치도 </a:t>
                 </a:r>
                 <a:r>
-                  <a:rPr lang="ko-KR" altLang="en-US" sz="1400" dirty="0" err="1">
-                    <a:latin typeface="나눔스퀘어 Bold" panose="020B0600000101010101" pitchFamily="50" charset="-127"/>
-                    <a:ea typeface="나눔스퀘어 Bold" panose="020B0600000101010101" pitchFamily="50" charset="-127"/>
-                  </a:rPr>
-                  <a:t>의미있는</a:t>
-                </a:r>
-                <a:r>
-                  <a:rPr lang="ko-KR" altLang="en-US" sz="1400" dirty="0">
-                    <a:latin typeface="나눔스퀘어 Bold" panose="020B0600000101010101" pitchFamily="50" charset="-127"/>
-                    <a:ea typeface="나눔스퀘어 Bold" panose="020B0600000101010101" pitchFamily="50" charset="-127"/>
-                  </a:rPr>
-                  <a:t> </a:t>
+                  <a:rPr lang="ko-KR" altLang="en-US" sz="1400" dirty="0" smtClean="0">
+                    <a:latin typeface="나눔스퀘어 Bold" panose="020B0600000101010101" pitchFamily="50" charset="-127"/>
+                    <a:ea typeface="나눔스퀘어 Bold" panose="020B0600000101010101" pitchFamily="50" charset="-127"/>
+                  </a:rPr>
+                  <a:t>의미 있는 </a:t>
                 </a:r>
                 <a:r>
                   <a:rPr lang="en-US" altLang="ko-KR" sz="1400" dirty="0">
@@ -14387,7 +16547,7 @@
               <a:blipFill>
                 <a:blip r:embed="rId2"/>
                 <a:stretch>
-                  <a:fillRect l="-196" t="-749" r="-688" b="-1498"/>
+                  <a:fillRect l="-196" t="-749" r="-1670" b="-1498"/>
                 </a:stretch>
               </a:blipFill>
             </p:spPr>
@@ -14406,8 +16566,8 @@
           </p:sp>
         </mc:Fallback>
       </mc:AlternateContent>
-      <mc:AlternateContent xmlns:mc="http://schemas.openxmlformats.org/markup-compatibility/2006">
-        <mc:Choice xmlns:a14="http://schemas.microsoft.com/office/drawing/2010/main" Requires="a14">
+      <mc:AlternateContent xmlns:mc="http://schemas.openxmlformats.org/markup-compatibility/2006" xmlns:a14="http://schemas.microsoft.com/office/drawing/2010/main">
+        <mc:Choice Requires="a14">
           <p:sp>
             <p:nvSpPr>
               <p:cNvPr id="7" name="TextBox 6">
@@ -14836,7 +16996,7 @@
             </p:txBody>
           </p:sp>
         </mc:Choice>
-        <mc:Fallback>
+        <mc:Fallback xmlns="">
           <p:sp>
             <p:nvSpPr>
               <p:cNvPr id="7" name="TextBox 6">
@@ -15307,8 +17467,8 @@
           </a:p>
         </p:txBody>
       </p:sp>
-      <mc:AlternateContent xmlns:mc="http://schemas.openxmlformats.org/markup-compatibility/2006">
-        <mc:Choice xmlns:a14="http://schemas.microsoft.com/office/drawing/2010/main" Requires="a14">
+      <mc:AlternateContent xmlns:mc="http://schemas.openxmlformats.org/markup-compatibility/2006" xmlns:a14="http://schemas.microsoft.com/office/drawing/2010/main">
+        <mc:Choice Requires="a14">
           <p:sp>
             <p:nvSpPr>
               <p:cNvPr id="7" name="TextBox 6">
@@ -15499,14 +17659,7 @@
                     <a:latin typeface="나눔스퀘어 Bold" panose="020B0600000101010101" pitchFamily="50" charset="-127"/>
                     <a:ea typeface="나눔스퀘어 Bold" panose="020B0600000101010101" pitchFamily="50" charset="-127"/>
                   </a:rPr>
-                  <a:t> </a:t>
-                </a:r>
-                <a:r>
-                  <a:rPr lang="ko-KR" altLang="en-US" sz="1400" dirty="0">
-                    <a:latin typeface="나눔스퀘어 Bold" panose="020B0600000101010101" pitchFamily="50" charset="-127"/>
-                    <a:ea typeface="나눔스퀘어 Bold" panose="020B0600000101010101" pitchFamily="50" charset="-127"/>
-                  </a:rPr>
-                  <a:t>얻음</a:t>
+                  <a:t> 얻음</a:t>
                 </a:r>
                 <a:endParaRPr lang="en-US" altLang="ko-KR" sz="1400" dirty="0">
                   <a:latin typeface="나눔스퀘어 Bold" panose="020B0600000101010101" pitchFamily="50" charset="-127"/>
@@ -15620,7 +17773,7 @@
             </p:txBody>
           </p:sp>
         </mc:Choice>
-        <mc:Fallback>
+        <mc:Fallback xmlns="">
           <p:sp>
             <p:nvSpPr>
               <p:cNvPr id="7" name="TextBox 6">
